--- a/infographics/maana-gats.pptx
+++ b/infographics/maana-gats.pptx
@@ -5,7 +5,8 @@
     <p:sldMasterId id="2147483648" r:id="rId1"/>
   </p:sldMasterIdLst>
   <p:sldIdLst>
-    <p:sldId id="256" r:id="rId2"/>
+    <p:sldId id="257" r:id="rId2"/>
+    <p:sldId id="256" r:id="rId3"/>
   </p:sldIdLst>
   <p:sldSz cx="12192000" cy="6858000"/>
   <p:notesSz cx="6858000" cy="9144000"/>
@@ -104,10 +105,934 @@
       </a:defRPr>
     </a:lvl9pPr>
   </p:defaultTextStyle>
+  <p:extLst>
+    <p:ext uri="{EFAFB233-063F-42B5-8137-9DF3F51BA10A}">
+      <p15:sldGuideLst xmlns:p15="http://schemas.microsoft.com/office/powerpoint/2012/main"/>
+    </p:ext>
+  </p:extLst>
 </p:presentation>
 </file>
 
 <file path=ppt/diagrams/colors1.xml><?xml version="1.0" encoding="utf-8"?>
+<dgm:colorsDef xmlns:dgm="http://schemas.openxmlformats.org/drawingml/2006/diagram" xmlns:a="http://schemas.openxmlformats.org/drawingml/2006/main" uniqueId="urn:microsoft.com/office/officeart/2005/8/colors/colorful1">
+  <dgm:title val=""/>
+  <dgm:desc val=""/>
+  <dgm:catLst>
+    <dgm:cat type="colorful" pri="10100"/>
+  </dgm:catLst>
+  <dgm:styleLbl name="node0">
+    <dgm:fillClrLst meth="repeat">
+      <a:schemeClr val="accent1"/>
+    </dgm:fillClrLst>
+    <dgm:linClrLst meth="repeat">
+      <a:schemeClr val="lt1"/>
+    </dgm:linClrLst>
+    <dgm:effectClrLst/>
+    <dgm:txLinClrLst/>
+    <dgm:txFillClrLst/>
+    <dgm:txEffectClrLst/>
+  </dgm:styleLbl>
+  <dgm:styleLbl name="node1">
+    <dgm:fillClrLst meth="repeat">
+      <a:schemeClr val="accent2"/>
+      <a:schemeClr val="accent3"/>
+      <a:schemeClr val="accent4"/>
+      <a:schemeClr val="accent5"/>
+      <a:schemeClr val="accent6"/>
+    </dgm:fillClrLst>
+    <dgm:linClrLst meth="repeat">
+      <a:schemeClr val="lt1"/>
+    </dgm:linClrLst>
+    <dgm:effectClrLst/>
+    <dgm:txLinClrLst/>
+    <dgm:txFillClrLst/>
+    <dgm:txEffectClrLst/>
+  </dgm:styleLbl>
+  <dgm:styleLbl name="alignNode1">
+    <dgm:fillClrLst meth="repeat">
+      <a:schemeClr val="accent2"/>
+      <a:schemeClr val="accent3"/>
+      <a:schemeClr val="accent4"/>
+      <a:schemeClr val="accent5"/>
+      <a:schemeClr val="accent6"/>
+    </dgm:fillClrLst>
+    <dgm:linClrLst meth="repeat">
+      <a:schemeClr val="accent2"/>
+      <a:schemeClr val="accent3"/>
+      <a:schemeClr val="accent4"/>
+      <a:schemeClr val="accent5"/>
+      <a:schemeClr val="accent6"/>
+    </dgm:linClrLst>
+    <dgm:effectClrLst/>
+    <dgm:txLinClrLst/>
+    <dgm:txFillClrLst/>
+    <dgm:txEffectClrLst/>
+  </dgm:styleLbl>
+  <dgm:styleLbl name="lnNode1">
+    <dgm:fillClrLst meth="repeat">
+      <a:schemeClr val="accent2"/>
+      <a:schemeClr val="accent3"/>
+      <a:schemeClr val="accent4"/>
+      <a:schemeClr val="accent5"/>
+      <a:schemeClr val="accent6"/>
+    </dgm:fillClrLst>
+    <dgm:linClrLst meth="repeat">
+      <a:schemeClr val="lt1"/>
+    </dgm:linClrLst>
+    <dgm:effectClrLst/>
+    <dgm:txLinClrLst/>
+    <dgm:txFillClrLst/>
+    <dgm:txEffectClrLst/>
+  </dgm:styleLbl>
+  <dgm:styleLbl name="vennNode1">
+    <dgm:fillClrLst meth="repeat">
+      <a:schemeClr val="accent2">
+        <a:alpha val="50000"/>
+      </a:schemeClr>
+      <a:schemeClr val="accent3">
+        <a:alpha val="50000"/>
+      </a:schemeClr>
+      <a:schemeClr val="accent4">
+        <a:alpha val="50000"/>
+      </a:schemeClr>
+      <a:schemeClr val="accent5">
+        <a:alpha val="50000"/>
+      </a:schemeClr>
+      <a:schemeClr val="accent6">
+        <a:alpha val="50000"/>
+      </a:schemeClr>
+    </dgm:fillClrLst>
+    <dgm:linClrLst meth="repeat">
+      <a:schemeClr val="lt1"/>
+    </dgm:linClrLst>
+    <dgm:effectClrLst/>
+    <dgm:txLinClrLst/>
+    <dgm:txFillClrLst/>
+    <dgm:txEffectClrLst/>
+  </dgm:styleLbl>
+  <dgm:styleLbl name="node2">
+    <dgm:fillClrLst>
+      <a:schemeClr val="accent2"/>
+    </dgm:fillClrLst>
+    <dgm:linClrLst meth="repeat">
+      <a:schemeClr val="lt1"/>
+    </dgm:linClrLst>
+    <dgm:effectClrLst/>
+    <dgm:txLinClrLst/>
+    <dgm:txFillClrLst/>
+    <dgm:txEffectClrLst/>
+  </dgm:styleLbl>
+  <dgm:styleLbl name="node3">
+    <dgm:fillClrLst>
+      <a:schemeClr val="accent3"/>
+    </dgm:fillClrLst>
+    <dgm:linClrLst meth="repeat">
+      <a:schemeClr val="lt1"/>
+    </dgm:linClrLst>
+    <dgm:effectClrLst/>
+    <dgm:txLinClrLst/>
+    <dgm:txFillClrLst/>
+    <dgm:txEffectClrLst/>
+  </dgm:styleLbl>
+  <dgm:styleLbl name="node4">
+    <dgm:fillClrLst>
+      <a:schemeClr val="accent4"/>
+    </dgm:fillClrLst>
+    <dgm:linClrLst meth="repeat">
+      <a:schemeClr val="lt1"/>
+    </dgm:linClrLst>
+    <dgm:effectClrLst/>
+    <dgm:txLinClrLst/>
+    <dgm:txFillClrLst/>
+    <dgm:txEffectClrLst/>
+  </dgm:styleLbl>
+  <dgm:styleLbl name="fgImgPlace1">
+    <dgm:fillClrLst meth="repeat">
+      <a:schemeClr val="accent2">
+        <a:tint val="50000"/>
+      </a:schemeClr>
+      <a:schemeClr val="accent3">
+        <a:tint val="50000"/>
+      </a:schemeClr>
+      <a:schemeClr val="accent4">
+        <a:tint val="50000"/>
+      </a:schemeClr>
+      <a:schemeClr val="accent5">
+        <a:tint val="50000"/>
+      </a:schemeClr>
+      <a:schemeClr val="accent6">
+        <a:tint val="50000"/>
+      </a:schemeClr>
+    </dgm:fillClrLst>
+    <dgm:linClrLst meth="repeat">
+      <a:schemeClr val="lt1"/>
+    </dgm:linClrLst>
+    <dgm:effectClrLst/>
+    <dgm:txLinClrLst/>
+    <dgm:txFillClrLst meth="repeat">
+      <a:schemeClr val="lt1"/>
+    </dgm:txFillClrLst>
+    <dgm:txEffectClrLst/>
+  </dgm:styleLbl>
+  <dgm:styleLbl name="alignImgPlace1">
+    <dgm:fillClrLst>
+      <a:schemeClr val="accent1">
+        <a:tint val="50000"/>
+      </a:schemeClr>
+      <a:schemeClr val="accent2">
+        <a:tint val="20000"/>
+      </a:schemeClr>
+    </dgm:fillClrLst>
+    <dgm:linClrLst meth="repeat">
+      <a:schemeClr val="lt1"/>
+    </dgm:linClrLst>
+    <dgm:effectClrLst/>
+    <dgm:txLinClrLst/>
+    <dgm:txFillClrLst meth="repeat">
+      <a:schemeClr val="lt1"/>
+    </dgm:txFillClrLst>
+    <dgm:txEffectClrLst/>
+  </dgm:styleLbl>
+  <dgm:styleLbl name="bgImgPlace1">
+    <dgm:fillClrLst>
+      <a:schemeClr val="accent1">
+        <a:tint val="50000"/>
+      </a:schemeClr>
+      <a:schemeClr val="accent2">
+        <a:tint val="20000"/>
+      </a:schemeClr>
+    </dgm:fillClrLst>
+    <dgm:linClrLst meth="repeat">
+      <a:schemeClr val="lt1"/>
+    </dgm:linClrLst>
+    <dgm:effectClrLst/>
+    <dgm:txLinClrLst/>
+    <dgm:txFillClrLst meth="repeat">
+      <a:schemeClr val="lt1"/>
+    </dgm:txFillClrLst>
+    <dgm:txEffectClrLst/>
+  </dgm:styleLbl>
+  <dgm:styleLbl name="sibTrans2D1">
+    <dgm:fillClrLst meth="repeat">
+      <a:schemeClr val="accent2"/>
+      <a:schemeClr val="accent3"/>
+      <a:schemeClr val="accent4"/>
+      <a:schemeClr val="accent5"/>
+      <a:schemeClr val="accent6"/>
+    </dgm:fillClrLst>
+    <dgm:linClrLst meth="cycle">
+      <a:schemeClr val="lt1"/>
+    </dgm:linClrLst>
+    <dgm:effectClrLst/>
+    <dgm:txLinClrLst/>
+    <dgm:txFillClrLst/>
+    <dgm:txEffectClrLst/>
+  </dgm:styleLbl>
+  <dgm:styleLbl name="fgSibTrans2D1">
+    <dgm:fillClrLst meth="repeat">
+      <a:schemeClr val="accent2"/>
+      <a:schemeClr val="accent3"/>
+      <a:schemeClr val="accent4"/>
+      <a:schemeClr val="accent5"/>
+      <a:schemeClr val="accent6"/>
+    </dgm:fillClrLst>
+    <dgm:linClrLst meth="cycle">
+      <a:schemeClr val="lt1"/>
+    </dgm:linClrLst>
+    <dgm:effectClrLst/>
+    <dgm:txLinClrLst/>
+    <dgm:txFillClrLst meth="repeat">
+      <a:schemeClr val="lt1"/>
+    </dgm:txFillClrLst>
+    <dgm:txEffectClrLst/>
+  </dgm:styleLbl>
+  <dgm:styleLbl name="bgSibTrans2D1">
+    <dgm:fillClrLst meth="repeat">
+      <a:schemeClr val="accent2"/>
+      <a:schemeClr val="accent3"/>
+      <a:schemeClr val="accent4"/>
+      <a:schemeClr val="accent5"/>
+      <a:schemeClr val="accent6"/>
+    </dgm:fillClrLst>
+    <dgm:linClrLst meth="cycle">
+      <a:schemeClr val="lt1"/>
+    </dgm:linClrLst>
+    <dgm:effectClrLst/>
+    <dgm:txLinClrLst/>
+    <dgm:txFillClrLst meth="repeat">
+      <a:schemeClr val="lt1"/>
+    </dgm:txFillClrLst>
+    <dgm:txEffectClrLst/>
+  </dgm:styleLbl>
+  <dgm:styleLbl name="sibTrans1D1">
+    <dgm:fillClrLst meth="repeat">
+      <a:schemeClr val="accent2"/>
+      <a:schemeClr val="accent3"/>
+      <a:schemeClr val="accent4"/>
+      <a:schemeClr val="accent5"/>
+      <a:schemeClr val="accent6"/>
+    </dgm:fillClrLst>
+    <dgm:linClrLst meth="repeat">
+      <a:schemeClr val="accent2"/>
+      <a:schemeClr val="accent3"/>
+      <a:schemeClr val="accent4"/>
+      <a:schemeClr val="accent5"/>
+      <a:schemeClr val="accent6"/>
+    </dgm:linClrLst>
+    <dgm:effectClrLst/>
+    <dgm:txLinClrLst/>
+    <dgm:txFillClrLst meth="repeat">
+      <a:schemeClr val="tx1"/>
+    </dgm:txFillClrLst>
+    <dgm:txEffectClrLst/>
+  </dgm:styleLbl>
+  <dgm:styleLbl name="callout">
+    <dgm:fillClrLst meth="repeat">
+      <a:schemeClr val="accent2"/>
+    </dgm:fillClrLst>
+    <dgm:linClrLst meth="repeat">
+      <a:schemeClr val="accent2">
+        <a:tint val="50000"/>
+      </a:schemeClr>
+    </dgm:linClrLst>
+    <dgm:effectClrLst/>
+    <dgm:txLinClrLst/>
+    <dgm:txFillClrLst meth="repeat">
+      <a:schemeClr val="tx1"/>
+    </dgm:txFillClrLst>
+    <dgm:txEffectClrLst/>
+  </dgm:styleLbl>
+  <dgm:styleLbl name="asst0">
+    <dgm:fillClrLst meth="repeat">
+      <a:schemeClr val="accent1"/>
+    </dgm:fillClrLst>
+    <dgm:linClrLst meth="repeat">
+      <a:schemeClr val="lt1"/>
+    </dgm:linClrLst>
+    <dgm:effectClrLst/>
+    <dgm:txLinClrLst/>
+    <dgm:txFillClrLst/>
+    <dgm:txEffectClrLst/>
+  </dgm:styleLbl>
+  <dgm:styleLbl name="asst1">
+    <dgm:fillClrLst meth="repeat">
+      <a:schemeClr val="accent2"/>
+    </dgm:fillClrLst>
+    <dgm:linClrLst meth="repeat">
+      <a:schemeClr val="lt1"/>
+    </dgm:linClrLst>
+    <dgm:effectClrLst/>
+    <dgm:txLinClrLst/>
+    <dgm:txFillClrLst/>
+    <dgm:txEffectClrLst/>
+  </dgm:styleLbl>
+  <dgm:styleLbl name="asst2">
+    <dgm:fillClrLst>
+      <a:schemeClr val="accent3"/>
+    </dgm:fillClrLst>
+    <dgm:linClrLst meth="repeat">
+      <a:schemeClr val="lt1"/>
+    </dgm:linClrLst>
+    <dgm:effectClrLst/>
+    <dgm:txLinClrLst/>
+    <dgm:txFillClrLst/>
+    <dgm:txEffectClrLst/>
+  </dgm:styleLbl>
+  <dgm:styleLbl name="asst3">
+    <dgm:fillClrLst>
+      <a:schemeClr val="accent4"/>
+    </dgm:fillClrLst>
+    <dgm:linClrLst meth="repeat">
+      <a:schemeClr val="lt1"/>
+    </dgm:linClrLst>
+    <dgm:effectClrLst/>
+    <dgm:txLinClrLst/>
+    <dgm:txFillClrLst/>
+    <dgm:txEffectClrLst/>
+  </dgm:styleLbl>
+  <dgm:styleLbl name="asst4">
+    <dgm:fillClrLst>
+      <a:schemeClr val="accent5"/>
+    </dgm:fillClrLst>
+    <dgm:linClrLst meth="repeat">
+      <a:schemeClr val="lt1"/>
+    </dgm:linClrLst>
+    <dgm:effectClrLst/>
+    <dgm:txLinClrLst/>
+    <dgm:txFillClrLst/>
+    <dgm:txEffectClrLst/>
+  </dgm:styleLbl>
+  <dgm:styleLbl name="parChTrans2D1">
+    <dgm:fillClrLst meth="repeat">
+      <a:schemeClr val="accent2"/>
+    </dgm:fillClrLst>
+    <dgm:linClrLst meth="repeat">
+      <a:schemeClr val="lt1"/>
+    </dgm:linClrLst>
+    <dgm:effectClrLst/>
+    <dgm:txLinClrLst/>
+    <dgm:txFillClrLst meth="repeat">
+      <a:schemeClr val="lt1"/>
+    </dgm:txFillClrLst>
+    <dgm:txEffectClrLst/>
+  </dgm:styleLbl>
+  <dgm:styleLbl name="parChTrans2D2">
+    <dgm:fillClrLst meth="repeat">
+      <a:schemeClr val="accent3"/>
+    </dgm:fillClrLst>
+    <dgm:linClrLst meth="repeat">
+      <a:schemeClr val="lt1"/>
+    </dgm:linClrLst>
+    <dgm:effectClrLst/>
+    <dgm:txLinClrLst/>
+    <dgm:txFillClrLst/>
+    <dgm:txEffectClrLst/>
+  </dgm:styleLbl>
+  <dgm:styleLbl name="parChTrans2D3">
+    <dgm:fillClrLst meth="repeat">
+      <a:schemeClr val="accent4"/>
+    </dgm:fillClrLst>
+    <dgm:linClrLst meth="repeat">
+      <a:schemeClr val="lt1"/>
+    </dgm:linClrLst>
+    <dgm:effectClrLst/>
+    <dgm:txLinClrLst/>
+    <dgm:txFillClrLst/>
+    <dgm:txEffectClrLst/>
+  </dgm:styleLbl>
+  <dgm:styleLbl name="parChTrans2D4">
+    <dgm:fillClrLst meth="repeat">
+      <a:schemeClr val="accent5"/>
+    </dgm:fillClrLst>
+    <dgm:linClrLst meth="repeat">
+      <a:schemeClr val="lt1"/>
+    </dgm:linClrLst>
+    <dgm:effectClrLst/>
+    <dgm:txLinClrLst/>
+    <dgm:txFillClrLst meth="repeat">
+      <a:schemeClr val="lt1"/>
+    </dgm:txFillClrLst>
+    <dgm:txEffectClrLst/>
+  </dgm:styleLbl>
+  <dgm:styleLbl name="parChTrans1D1">
+    <dgm:fillClrLst meth="repeat">
+      <a:schemeClr val="accent2"/>
+    </dgm:fillClrLst>
+    <dgm:linClrLst meth="repeat">
+      <a:schemeClr val="accent1"/>
+    </dgm:linClrLst>
+    <dgm:effectClrLst/>
+    <dgm:txLinClrLst/>
+    <dgm:txFillClrLst meth="repeat">
+      <a:schemeClr val="tx1"/>
+    </dgm:txFillClrLst>
+    <dgm:txEffectClrLst/>
+  </dgm:styleLbl>
+  <dgm:styleLbl name="parChTrans1D2">
+    <dgm:fillClrLst meth="repeat">
+      <a:schemeClr val="accent3">
+        <a:tint val="90000"/>
+      </a:schemeClr>
+    </dgm:fillClrLst>
+    <dgm:linClrLst meth="repeat">
+      <a:schemeClr val="accent2"/>
+    </dgm:linClrLst>
+    <dgm:effectClrLst/>
+    <dgm:txLinClrLst/>
+    <dgm:txFillClrLst meth="repeat">
+      <a:schemeClr val="tx1"/>
+    </dgm:txFillClrLst>
+    <dgm:txEffectClrLst/>
+  </dgm:styleLbl>
+  <dgm:styleLbl name="parChTrans1D3">
+    <dgm:fillClrLst meth="repeat">
+      <a:schemeClr val="accent4">
+        <a:tint val="70000"/>
+      </a:schemeClr>
+    </dgm:fillClrLst>
+    <dgm:linClrLst meth="repeat">
+      <a:schemeClr val="accent3"/>
+    </dgm:linClrLst>
+    <dgm:effectClrLst/>
+    <dgm:txLinClrLst/>
+    <dgm:txFillClrLst meth="repeat">
+      <a:schemeClr val="tx1"/>
+    </dgm:txFillClrLst>
+    <dgm:txEffectClrLst/>
+  </dgm:styleLbl>
+  <dgm:styleLbl name="parChTrans1D4">
+    <dgm:fillClrLst meth="repeat">
+      <a:schemeClr val="accent5">
+        <a:tint val="50000"/>
+      </a:schemeClr>
+    </dgm:fillClrLst>
+    <dgm:linClrLst meth="repeat">
+      <a:schemeClr val="accent4"/>
+    </dgm:linClrLst>
+    <dgm:effectClrLst/>
+    <dgm:txLinClrLst/>
+    <dgm:txFillClrLst meth="repeat">
+      <a:schemeClr val="tx1"/>
+    </dgm:txFillClrLst>
+    <dgm:txEffectClrLst/>
+  </dgm:styleLbl>
+  <dgm:styleLbl name="fgAcc1">
+    <dgm:fillClrLst meth="repeat">
+      <a:schemeClr val="lt1">
+        <a:alpha val="90000"/>
+      </a:schemeClr>
+    </dgm:fillClrLst>
+    <dgm:linClrLst meth="repeat">
+      <a:schemeClr val="accent2"/>
+      <a:schemeClr val="accent3"/>
+      <a:schemeClr val="accent4"/>
+      <a:schemeClr val="accent5"/>
+      <a:schemeClr val="accent6"/>
+    </dgm:linClrLst>
+    <dgm:effectClrLst/>
+    <dgm:txLinClrLst/>
+    <dgm:txFillClrLst meth="repeat">
+      <a:schemeClr val="dk1"/>
+    </dgm:txFillClrLst>
+    <dgm:txEffectClrLst/>
+  </dgm:styleLbl>
+  <dgm:styleLbl name="conFgAcc1">
+    <dgm:fillClrLst meth="repeat">
+      <a:schemeClr val="lt1">
+        <a:alpha val="90000"/>
+      </a:schemeClr>
+    </dgm:fillClrLst>
+    <dgm:linClrLst meth="repeat">
+      <a:schemeClr val="accent2"/>
+      <a:schemeClr val="accent3"/>
+      <a:schemeClr val="accent4"/>
+      <a:schemeClr val="accent5"/>
+      <a:schemeClr val="accent6"/>
+    </dgm:linClrLst>
+    <dgm:effectClrLst/>
+    <dgm:txLinClrLst/>
+    <dgm:txFillClrLst meth="repeat">
+      <a:schemeClr val="dk1"/>
+    </dgm:txFillClrLst>
+    <dgm:txEffectClrLst/>
+  </dgm:styleLbl>
+  <dgm:styleLbl name="alignAcc1">
+    <dgm:fillClrLst meth="repeat">
+      <a:schemeClr val="lt1">
+        <a:alpha val="90000"/>
+      </a:schemeClr>
+    </dgm:fillClrLst>
+    <dgm:linClrLst meth="repeat">
+      <a:schemeClr val="accent2"/>
+      <a:schemeClr val="accent3"/>
+      <a:schemeClr val="accent4"/>
+      <a:schemeClr val="accent5"/>
+      <a:schemeClr val="accent6"/>
+    </dgm:linClrLst>
+    <dgm:effectClrLst/>
+    <dgm:txLinClrLst/>
+    <dgm:txFillClrLst meth="repeat">
+      <a:schemeClr val="dk1"/>
+    </dgm:txFillClrLst>
+    <dgm:txEffectClrLst/>
+  </dgm:styleLbl>
+  <dgm:styleLbl name="trAlignAcc1">
+    <dgm:fillClrLst meth="repeat">
+      <a:schemeClr val="lt1">
+        <a:alpha val="40000"/>
+      </a:schemeClr>
+    </dgm:fillClrLst>
+    <dgm:linClrLst meth="repeat">
+      <a:schemeClr val="accent1"/>
+    </dgm:linClrLst>
+    <dgm:effectClrLst/>
+    <dgm:txLinClrLst/>
+    <dgm:txFillClrLst meth="repeat">
+      <a:schemeClr val="dk1"/>
+    </dgm:txFillClrLst>
+    <dgm:txEffectClrLst/>
+  </dgm:styleLbl>
+  <dgm:styleLbl name="bgAcc1">
+    <dgm:fillClrLst meth="repeat">
+      <a:schemeClr val="lt1">
+        <a:alpha val="90000"/>
+      </a:schemeClr>
+    </dgm:fillClrLst>
+    <dgm:linClrLst meth="repeat">
+      <a:schemeClr val="accent2"/>
+      <a:schemeClr val="accent3"/>
+      <a:schemeClr val="accent4"/>
+      <a:schemeClr val="accent5"/>
+      <a:schemeClr val="accent6"/>
+    </dgm:linClrLst>
+    <dgm:effectClrLst/>
+    <dgm:txLinClrLst/>
+    <dgm:txFillClrLst meth="repeat">
+      <a:schemeClr val="dk1"/>
+    </dgm:txFillClrLst>
+    <dgm:txEffectClrLst/>
+  </dgm:styleLbl>
+  <dgm:styleLbl name="solidFgAcc1">
+    <dgm:fillClrLst meth="repeat">
+      <a:schemeClr val="lt1"/>
+    </dgm:fillClrLst>
+    <dgm:linClrLst meth="repeat">
+      <a:schemeClr val="accent2"/>
+      <a:schemeClr val="accent3"/>
+      <a:schemeClr val="accent4"/>
+      <a:schemeClr val="accent5"/>
+      <a:schemeClr val="accent6"/>
+    </dgm:linClrLst>
+    <dgm:effectClrLst/>
+    <dgm:txLinClrLst/>
+    <dgm:txFillClrLst meth="repeat">
+      <a:schemeClr val="dk1"/>
+    </dgm:txFillClrLst>
+    <dgm:txEffectClrLst/>
+  </dgm:styleLbl>
+  <dgm:styleLbl name="solidAlignAcc1">
+    <dgm:fillClrLst meth="repeat">
+      <a:schemeClr val="lt1"/>
+    </dgm:fillClrLst>
+    <dgm:linClrLst meth="repeat">
+      <a:schemeClr val="accent2"/>
+      <a:schemeClr val="accent3"/>
+      <a:schemeClr val="accent4"/>
+      <a:schemeClr val="accent5"/>
+      <a:schemeClr val="accent6"/>
+    </dgm:linClrLst>
+    <dgm:effectClrLst/>
+    <dgm:txLinClrLst/>
+    <dgm:txFillClrLst meth="repeat">
+      <a:schemeClr val="dk1"/>
+    </dgm:txFillClrLst>
+    <dgm:txEffectClrLst/>
+  </dgm:styleLbl>
+  <dgm:styleLbl name="solidBgAcc1">
+    <dgm:fillClrLst meth="repeat">
+      <a:schemeClr val="lt1"/>
+    </dgm:fillClrLst>
+    <dgm:linClrLst meth="repeat">
+      <a:schemeClr val="accent2"/>
+      <a:schemeClr val="accent3"/>
+      <a:schemeClr val="accent4"/>
+      <a:schemeClr val="accent5"/>
+      <a:schemeClr val="accent6"/>
+    </dgm:linClrLst>
+    <dgm:effectClrLst/>
+    <dgm:txLinClrLst/>
+    <dgm:txFillClrLst meth="repeat">
+      <a:schemeClr val="dk1"/>
+    </dgm:txFillClrLst>
+    <dgm:txEffectClrLst/>
+  </dgm:styleLbl>
+  <dgm:styleLbl name="fgAccFollowNode1">
+    <dgm:fillClrLst meth="repeat">
+      <a:schemeClr val="accent2">
+        <a:tint val="40000"/>
+        <a:alpha val="90000"/>
+      </a:schemeClr>
+      <a:schemeClr val="accent3">
+        <a:tint val="40000"/>
+        <a:alpha val="90000"/>
+      </a:schemeClr>
+      <a:schemeClr val="accent4">
+        <a:tint val="40000"/>
+        <a:alpha val="90000"/>
+      </a:schemeClr>
+      <a:schemeClr val="accent5">
+        <a:tint val="40000"/>
+        <a:alpha val="90000"/>
+      </a:schemeClr>
+      <a:schemeClr val="accent6">
+        <a:tint val="40000"/>
+        <a:alpha val="90000"/>
+      </a:schemeClr>
+    </dgm:fillClrLst>
+    <dgm:linClrLst meth="repeat">
+      <a:schemeClr val="accent2">
+        <a:tint val="40000"/>
+        <a:alpha val="90000"/>
+      </a:schemeClr>
+      <a:schemeClr val="accent3">
+        <a:tint val="40000"/>
+        <a:alpha val="90000"/>
+      </a:schemeClr>
+      <a:schemeClr val="accent4">
+        <a:tint val="40000"/>
+        <a:alpha val="90000"/>
+      </a:schemeClr>
+      <a:schemeClr val="accent5">
+        <a:tint val="40000"/>
+        <a:alpha val="90000"/>
+      </a:schemeClr>
+      <a:schemeClr val="accent6">
+        <a:tint val="40000"/>
+        <a:alpha val="90000"/>
+      </a:schemeClr>
+    </dgm:linClrLst>
+    <dgm:effectClrLst/>
+    <dgm:txLinClrLst/>
+    <dgm:txFillClrLst meth="repeat">
+      <a:schemeClr val="dk1"/>
+    </dgm:txFillClrLst>
+    <dgm:txEffectClrLst/>
+  </dgm:styleLbl>
+  <dgm:styleLbl name="alignAccFollowNode1">
+    <dgm:fillClrLst meth="repeat">
+      <a:schemeClr val="accent2">
+        <a:tint val="40000"/>
+        <a:alpha val="90000"/>
+      </a:schemeClr>
+      <a:schemeClr val="accent3">
+        <a:tint val="40000"/>
+        <a:alpha val="90000"/>
+      </a:schemeClr>
+      <a:schemeClr val="accent4">
+        <a:tint val="40000"/>
+        <a:alpha val="90000"/>
+      </a:schemeClr>
+      <a:schemeClr val="accent5">
+        <a:tint val="40000"/>
+        <a:alpha val="90000"/>
+      </a:schemeClr>
+      <a:schemeClr val="accent6">
+        <a:tint val="40000"/>
+        <a:alpha val="90000"/>
+      </a:schemeClr>
+    </dgm:fillClrLst>
+    <dgm:linClrLst meth="repeat">
+      <a:schemeClr val="accent2">
+        <a:tint val="40000"/>
+        <a:alpha val="90000"/>
+      </a:schemeClr>
+      <a:schemeClr val="accent3">
+        <a:tint val="40000"/>
+        <a:alpha val="90000"/>
+      </a:schemeClr>
+      <a:schemeClr val="accent4">
+        <a:tint val="40000"/>
+        <a:alpha val="90000"/>
+      </a:schemeClr>
+      <a:schemeClr val="accent5">
+        <a:tint val="40000"/>
+        <a:alpha val="90000"/>
+      </a:schemeClr>
+      <a:schemeClr val="accent6">
+        <a:tint val="40000"/>
+        <a:alpha val="90000"/>
+      </a:schemeClr>
+    </dgm:linClrLst>
+    <dgm:effectClrLst/>
+    <dgm:txLinClrLst/>
+    <dgm:txFillClrLst meth="repeat">
+      <a:schemeClr val="dk1"/>
+    </dgm:txFillClrLst>
+    <dgm:txEffectClrLst/>
+  </dgm:styleLbl>
+  <dgm:styleLbl name="bgAccFollowNode1">
+    <dgm:fillClrLst meth="repeat">
+      <a:schemeClr val="accent2">
+        <a:tint val="40000"/>
+        <a:alpha val="90000"/>
+      </a:schemeClr>
+      <a:schemeClr val="accent3">
+        <a:tint val="40000"/>
+        <a:alpha val="90000"/>
+      </a:schemeClr>
+      <a:schemeClr val="accent4">
+        <a:tint val="40000"/>
+        <a:alpha val="90000"/>
+      </a:schemeClr>
+      <a:schemeClr val="accent5">
+        <a:tint val="40000"/>
+        <a:alpha val="90000"/>
+      </a:schemeClr>
+      <a:schemeClr val="accent6">
+        <a:tint val="40000"/>
+        <a:alpha val="90000"/>
+      </a:schemeClr>
+    </dgm:fillClrLst>
+    <dgm:linClrLst meth="repeat">
+      <a:schemeClr val="accent2">
+        <a:tint val="40000"/>
+        <a:alpha val="90000"/>
+      </a:schemeClr>
+      <a:schemeClr val="accent3">
+        <a:tint val="40000"/>
+        <a:alpha val="90000"/>
+      </a:schemeClr>
+      <a:schemeClr val="accent4">
+        <a:tint val="40000"/>
+        <a:alpha val="90000"/>
+      </a:schemeClr>
+      <a:schemeClr val="accent5">
+        <a:tint val="40000"/>
+        <a:alpha val="90000"/>
+      </a:schemeClr>
+      <a:schemeClr val="accent6">
+        <a:tint val="40000"/>
+        <a:alpha val="90000"/>
+      </a:schemeClr>
+    </dgm:linClrLst>
+    <dgm:effectClrLst/>
+    <dgm:txLinClrLst/>
+    <dgm:txFillClrLst meth="repeat">
+      <a:schemeClr val="dk1"/>
+    </dgm:txFillClrLst>
+    <dgm:txEffectClrLst/>
+  </dgm:styleLbl>
+  <dgm:styleLbl name="fgAcc0">
+    <dgm:fillClrLst meth="repeat">
+      <a:schemeClr val="lt1">
+        <a:alpha val="90000"/>
+      </a:schemeClr>
+    </dgm:fillClrLst>
+    <dgm:linClrLst>
+      <a:schemeClr val="accent1"/>
+    </dgm:linClrLst>
+    <dgm:effectClrLst/>
+    <dgm:txLinClrLst/>
+    <dgm:txFillClrLst meth="repeat">
+      <a:schemeClr val="dk1"/>
+    </dgm:txFillClrLst>
+    <dgm:txEffectClrLst/>
+  </dgm:styleLbl>
+  <dgm:styleLbl name="fgAcc2">
+    <dgm:fillClrLst meth="repeat">
+      <a:schemeClr val="lt1">
+        <a:alpha val="90000"/>
+      </a:schemeClr>
+    </dgm:fillClrLst>
+    <dgm:linClrLst>
+      <a:schemeClr val="accent2"/>
+    </dgm:linClrLst>
+    <dgm:effectClrLst/>
+    <dgm:txLinClrLst/>
+    <dgm:txFillClrLst meth="repeat">
+      <a:schemeClr val="dk1"/>
+    </dgm:txFillClrLst>
+    <dgm:txEffectClrLst/>
+  </dgm:styleLbl>
+  <dgm:styleLbl name="fgAcc3">
+    <dgm:fillClrLst meth="repeat">
+      <a:schemeClr val="lt1">
+        <a:alpha val="90000"/>
+      </a:schemeClr>
+    </dgm:fillClrLst>
+    <dgm:linClrLst>
+      <a:schemeClr val="accent3"/>
+    </dgm:linClrLst>
+    <dgm:effectClrLst/>
+    <dgm:txLinClrLst/>
+    <dgm:txFillClrLst meth="repeat">
+      <a:schemeClr val="dk1"/>
+    </dgm:txFillClrLst>
+    <dgm:txEffectClrLst/>
+  </dgm:styleLbl>
+  <dgm:styleLbl name="fgAcc4">
+    <dgm:fillClrLst meth="repeat">
+      <a:schemeClr val="lt1">
+        <a:alpha val="90000"/>
+      </a:schemeClr>
+    </dgm:fillClrLst>
+    <dgm:linClrLst>
+      <a:schemeClr val="accent4"/>
+    </dgm:linClrLst>
+    <dgm:effectClrLst/>
+    <dgm:txLinClrLst/>
+    <dgm:txFillClrLst meth="repeat">
+      <a:schemeClr val="dk1"/>
+    </dgm:txFillClrLst>
+    <dgm:txEffectClrLst/>
+  </dgm:styleLbl>
+  <dgm:styleLbl name="bgShp">
+    <dgm:fillClrLst meth="repeat">
+      <a:schemeClr val="accent2">
+        <a:tint val="40000"/>
+      </a:schemeClr>
+    </dgm:fillClrLst>
+    <dgm:linClrLst meth="repeat">
+      <a:schemeClr val="dk1"/>
+    </dgm:linClrLst>
+    <dgm:effectClrLst/>
+    <dgm:txLinClrLst/>
+    <dgm:txFillClrLst meth="repeat">
+      <a:schemeClr val="dk1"/>
+    </dgm:txFillClrLst>
+    <dgm:txEffectClrLst/>
+  </dgm:styleLbl>
+  <dgm:styleLbl name="dkBgShp">
+    <dgm:fillClrLst meth="repeat">
+      <a:schemeClr val="accent2">
+        <a:shade val="90000"/>
+      </a:schemeClr>
+    </dgm:fillClrLst>
+    <dgm:linClrLst meth="repeat">
+      <a:schemeClr val="dk1"/>
+    </dgm:linClrLst>
+    <dgm:effectClrLst/>
+    <dgm:txLinClrLst/>
+    <dgm:txFillClrLst meth="repeat">
+      <a:schemeClr val="lt1"/>
+    </dgm:txFillClrLst>
+    <dgm:txEffectClrLst/>
+  </dgm:styleLbl>
+  <dgm:styleLbl name="trBgShp">
+    <dgm:fillClrLst meth="repeat">
+      <a:schemeClr val="accent1">
+        <a:tint val="50000"/>
+        <a:alpha val="40000"/>
+      </a:schemeClr>
+    </dgm:fillClrLst>
+    <dgm:linClrLst meth="repeat">
+      <a:schemeClr val="accent2"/>
+    </dgm:linClrLst>
+    <dgm:effectClrLst/>
+    <dgm:txLinClrLst/>
+    <dgm:txFillClrLst meth="repeat">
+      <a:schemeClr val="lt1"/>
+    </dgm:txFillClrLst>
+    <dgm:txEffectClrLst/>
+  </dgm:styleLbl>
+  <dgm:styleLbl name="fgShp">
+    <dgm:fillClrLst meth="repeat">
+      <a:schemeClr val="accent2">
+        <a:tint val="40000"/>
+      </a:schemeClr>
+    </dgm:fillClrLst>
+    <dgm:linClrLst meth="repeat">
+      <a:schemeClr val="lt1"/>
+    </dgm:linClrLst>
+    <dgm:effectClrLst/>
+    <dgm:txLinClrLst/>
+    <dgm:txFillClrLst meth="repeat">
+      <a:schemeClr val="dk1"/>
+    </dgm:txFillClrLst>
+    <dgm:txEffectClrLst/>
+  </dgm:styleLbl>
+  <dgm:styleLbl name="revTx">
+    <dgm:fillClrLst meth="repeat">
+      <a:schemeClr val="lt1">
+        <a:alpha val="0"/>
+      </a:schemeClr>
+    </dgm:fillClrLst>
+    <dgm:linClrLst meth="repeat">
+      <a:schemeClr val="dk1">
+        <a:alpha val="0"/>
+      </a:schemeClr>
+    </dgm:linClrLst>
+    <dgm:effectClrLst/>
+    <dgm:txLinClrLst/>
+    <dgm:txFillClrLst meth="repeat">
+      <a:schemeClr val="tx1"/>
+    </dgm:txFillClrLst>
+    <dgm:txEffectClrLst/>
+  </dgm:styleLbl>
+</dgm:colorsDef>
+</file>
+
+<file path=ppt/diagrams/colors2.xml><?xml version="1.0" encoding="utf-8"?>
 <dgm:colorsDef xmlns:dgm="http://schemas.openxmlformats.org/drawingml/2006/diagram" xmlns:a="http://schemas.openxmlformats.org/drawingml/2006/main" uniqueId="urn:microsoft.com/office/officeart/2005/8/colors/colorful3">
   <dgm:title val=""/>
   <dgm:desc val=""/>
@@ -890,6 +1815,220 @@
 </file>
 
 <file path=ppt/diagrams/data1.xml><?xml version="1.0" encoding="utf-8"?>
+<dgm:dataModel xmlns:dgm="http://schemas.openxmlformats.org/drawingml/2006/diagram" xmlns:a="http://schemas.openxmlformats.org/drawingml/2006/main">
+  <dgm:ptLst>
+    <dgm:pt modelId="{71DFF5D0-15A4-A947-9FB8-A657CAF7B5A9}" type="doc">
+      <dgm:prSet loTypeId="urn:microsoft.com/office/officeart/2005/8/layout/cycle7" loCatId="" qsTypeId="urn:microsoft.com/office/officeart/2005/8/quickstyle/simple1" qsCatId="simple" csTypeId="urn:microsoft.com/office/officeart/2005/8/colors/colorful1" csCatId="colorful" phldr="1"/>
+      <dgm:spPr/>
+      <dgm:t>
+        <a:bodyPr/>
+        <a:lstStyle/>
+        <a:p>
+          <a:endParaRPr lang="en-US"/>
+        </a:p>
+      </dgm:t>
+    </dgm:pt>
+    <dgm:pt modelId="{E88C5374-FDEA-D545-9C52-3F987E896218}">
+      <dgm:prSet phldrT="[Text]"/>
+      <dgm:spPr/>
+      <dgm:t>
+        <a:bodyPr/>
+        <a:lstStyle/>
+        <a:p>
+          <a:r>
+            <a:rPr lang="en-US" dirty="0"/>
+            <a:t>Diagram</a:t>
+          </a:r>
+        </a:p>
+      </dgm:t>
+    </dgm:pt>
+    <dgm:pt modelId="{208B32BE-EFF7-9F40-8173-A23F7758B1C3}" type="parTrans" cxnId="{84B64C64-4C3A-7B47-8FCE-BFF59B2F6317}">
+      <dgm:prSet/>
+      <dgm:spPr/>
+      <dgm:t>
+        <a:bodyPr/>
+        <a:lstStyle/>
+        <a:p>
+          <a:endParaRPr lang="en-US"/>
+        </a:p>
+      </dgm:t>
+    </dgm:pt>
+    <dgm:pt modelId="{EB2ED0AC-DF87-2949-8FB4-406D82BFEFDA}" type="sibTrans" cxnId="{84B64C64-4C3A-7B47-8FCE-BFF59B2F6317}">
+      <dgm:prSet/>
+      <dgm:spPr/>
+      <dgm:t>
+        <a:bodyPr/>
+        <a:lstStyle/>
+        <a:p>
+          <a:endParaRPr lang="en-US"/>
+        </a:p>
+      </dgm:t>
+    </dgm:pt>
+    <dgm:pt modelId="{7922F62A-7B98-2844-B051-DF7203B1B26F}">
+      <dgm:prSet phldrT="[Text]"/>
+      <dgm:spPr/>
+      <dgm:t>
+        <a:bodyPr/>
+        <a:lstStyle/>
+        <a:p>
+          <a:r>
+            <a:rPr lang="en-US" dirty="0"/>
+            <a:t>Symbolic Expression</a:t>
+          </a:r>
+        </a:p>
+      </dgm:t>
+    </dgm:pt>
+    <dgm:pt modelId="{5A200C96-A4B6-2246-9CF0-ACF0446C40B2}" type="parTrans" cxnId="{D6389469-745B-9440-A340-9D4B634D5034}">
+      <dgm:prSet/>
+      <dgm:spPr/>
+      <dgm:t>
+        <a:bodyPr/>
+        <a:lstStyle/>
+        <a:p>
+          <a:endParaRPr lang="en-US"/>
+        </a:p>
+      </dgm:t>
+    </dgm:pt>
+    <dgm:pt modelId="{9A024444-77D9-AD4C-802E-827091307D4D}" type="sibTrans" cxnId="{D6389469-745B-9440-A340-9D4B634D5034}">
+      <dgm:prSet/>
+      <dgm:spPr/>
+      <dgm:t>
+        <a:bodyPr/>
+        <a:lstStyle/>
+        <a:p>
+          <a:endParaRPr lang="en-US"/>
+        </a:p>
+      </dgm:t>
+    </dgm:pt>
+    <dgm:pt modelId="{EBCDF458-3037-F045-8FF6-E4F585E85458}">
+      <dgm:prSet phldrT="[Text]"/>
+      <dgm:spPr/>
+      <dgm:t>
+        <a:bodyPr/>
+        <a:lstStyle/>
+        <a:p>
+          <a:r>
+            <a:rPr lang="en-US" dirty="0"/>
+            <a:t>Simulation</a:t>
+          </a:r>
+        </a:p>
+      </dgm:t>
+    </dgm:pt>
+    <dgm:pt modelId="{7FA06524-33D3-E048-908C-B8E9B6719749}" type="parTrans" cxnId="{DF9B7282-0FF1-794F-A40A-D9830EA26284}">
+      <dgm:prSet/>
+      <dgm:spPr/>
+      <dgm:t>
+        <a:bodyPr/>
+        <a:lstStyle/>
+        <a:p>
+          <a:endParaRPr lang="en-US"/>
+        </a:p>
+      </dgm:t>
+    </dgm:pt>
+    <dgm:pt modelId="{B65AD985-6561-0843-928C-4DD85FFD7D0F}" type="sibTrans" cxnId="{DF9B7282-0FF1-794F-A40A-D9830EA26284}">
+      <dgm:prSet/>
+      <dgm:spPr/>
+      <dgm:t>
+        <a:bodyPr/>
+        <a:lstStyle/>
+        <a:p>
+          <a:endParaRPr lang="en-US"/>
+        </a:p>
+      </dgm:t>
+    </dgm:pt>
+    <dgm:pt modelId="{49C24450-ACEA-704A-9B7C-21F0EA36E3BB}" type="pres">
+      <dgm:prSet presAssocID="{71DFF5D0-15A4-A947-9FB8-A657CAF7B5A9}" presName="Name0" presStyleCnt="0">
+        <dgm:presLayoutVars>
+          <dgm:dir/>
+          <dgm:resizeHandles val="exact"/>
+        </dgm:presLayoutVars>
+      </dgm:prSet>
+      <dgm:spPr/>
+    </dgm:pt>
+    <dgm:pt modelId="{06C08BB5-CAF6-F14B-B5E0-520705ADA0CA}" type="pres">
+      <dgm:prSet presAssocID="{E88C5374-FDEA-D545-9C52-3F987E896218}" presName="node" presStyleLbl="node1" presStyleIdx="0" presStyleCnt="3">
+        <dgm:presLayoutVars>
+          <dgm:bulletEnabled val="1"/>
+        </dgm:presLayoutVars>
+      </dgm:prSet>
+      <dgm:spPr/>
+    </dgm:pt>
+    <dgm:pt modelId="{8187662D-9D68-8940-943E-6C281B62C988}" type="pres">
+      <dgm:prSet presAssocID="{EB2ED0AC-DF87-2949-8FB4-406D82BFEFDA}" presName="sibTrans" presStyleLbl="sibTrans2D1" presStyleIdx="0" presStyleCnt="3"/>
+      <dgm:spPr/>
+    </dgm:pt>
+    <dgm:pt modelId="{A6BE9B33-DCC4-3044-B1BB-0046C3C98588}" type="pres">
+      <dgm:prSet presAssocID="{EB2ED0AC-DF87-2949-8FB4-406D82BFEFDA}" presName="connectorText" presStyleLbl="sibTrans2D1" presStyleIdx="0" presStyleCnt="3"/>
+      <dgm:spPr/>
+    </dgm:pt>
+    <dgm:pt modelId="{A67BD570-60D2-314A-9295-177F49285752}" type="pres">
+      <dgm:prSet presAssocID="{7922F62A-7B98-2844-B051-DF7203B1B26F}" presName="node" presStyleLbl="node1" presStyleIdx="1" presStyleCnt="3">
+        <dgm:presLayoutVars>
+          <dgm:bulletEnabled val="1"/>
+        </dgm:presLayoutVars>
+      </dgm:prSet>
+      <dgm:spPr/>
+    </dgm:pt>
+    <dgm:pt modelId="{5814A48C-C8C0-8240-9FF0-E6CB1B465396}" type="pres">
+      <dgm:prSet presAssocID="{9A024444-77D9-AD4C-802E-827091307D4D}" presName="sibTrans" presStyleLbl="sibTrans2D1" presStyleIdx="1" presStyleCnt="3"/>
+      <dgm:spPr/>
+    </dgm:pt>
+    <dgm:pt modelId="{546E7DBC-A6C7-1C4B-8144-DAE3E6136DAA}" type="pres">
+      <dgm:prSet presAssocID="{9A024444-77D9-AD4C-802E-827091307D4D}" presName="connectorText" presStyleLbl="sibTrans2D1" presStyleIdx="1" presStyleCnt="3"/>
+      <dgm:spPr/>
+    </dgm:pt>
+    <dgm:pt modelId="{105359AA-C494-FB49-9513-56FBF72EDB9E}" type="pres">
+      <dgm:prSet presAssocID="{EBCDF458-3037-F045-8FF6-E4F585E85458}" presName="node" presStyleLbl="node1" presStyleIdx="2" presStyleCnt="3">
+        <dgm:presLayoutVars>
+          <dgm:bulletEnabled val="1"/>
+        </dgm:presLayoutVars>
+      </dgm:prSet>
+      <dgm:spPr/>
+    </dgm:pt>
+    <dgm:pt modelId="{EB0E44D1-E9C3-8247-95D9-910C27C93CDF}" type="pres">
+      <dgm:prSet presAssocID="{B65AD985-6561-0843-928C-4DD85FFD7D0F}" presName="sibTrans" presStyleLbl="sibTrans2D1" presStyleIdx="2" presStyleCnt="3"/>
+      <dgm:spPr/>
+    </dgm:pt>
+    <dgm:pt modelId="{A5BAF32E-ECA6-0E45-ABD0-811EB9CDD3B8}" type="pres">
+      <dgm:prSet presAssocID="{B65AD985-6561-0843-928C-4DD85FFD7D0F}" presName="connectorText" presStyleLbl="sibTrans2D1" presStyleIdx="2" presStyleCnt="3"/>
+      <dgm:spPr/>
+    </dgm:pt>
+  </dgm:ptLst>
+  <dgm:cxnLst>
+    <dgm:cxn modelId="{9E49F20B-7DEE-A445-92DD-4070E533A2ED}" type="presOf" srcId="{9A024444-77D9-AD4C-802E-827091307D4D}" destId="{5814A48C-C8C0-8240-9FF0-E6CB1B465396}" srcOrd="0" destOrd="0" presId="urn:microsoft.com/office/officeart/2005/8/layout/cycle7"/>
+    <dgm:cxn modelId="{1EC81718-1392-D545-8349-2480935134B9}" type="presOf" srcId="{B65AD985-6561-0843-928C-4DD85FFD7D0F}" destId="{EB0E44D1-E9C3-8247-95D9-910C27C93CDF}" srcOrd="0" destOrd="0" presId="urn:microsoft.com/office/officeart/2005/8/layout/cycle7"/>
+    <dgm:cxn modelId="{0CB7B01E-D285-C349-8856-1A12B128E81F}" type="presOf" srcId="{EBCDF458-3037-F045-8FF6-E4F585E85458}" destId="{105359AA-C494-FB49-9513-56FBF72EDB9E}" srcOrd="0" destOrd="0" presId="urn:microsoft.com/office/officeart/2005/8/layout/cycle7"/>
+    <dgm:cxn modelId="{7EFB3521-A525-B543-B564-9B555B70C20C}" type="presOf" srcId="{71DFF5D0-15A4-A947-9FB8-A657CAF7B5A9}" destId="{49C24450-ACEA-704A-9B7C-21F0EA36E3BB}" srcOrd="0" destOrd="0" presId="urn:microsoft.com/office/officeart/2005/8/layout/cycle7"/>
+    <dgm:cxn modelId="{6B49655D-0EC0-F24D-A608-573300AC3EB4}" type="presOf" srcId="{B65AD985-6561-0843-928C-4DD85FFD7D0F}" destId="{A5BAF32E-ECA6-0E45-ABD0-811EB9CDD3B8}" srcOrd="1" destOrd="0" presId="urn:microsoft.com/office/officeart/2005/8/layout/cycle7"/>
+    <dgm:cxn modelId="{84B64C64-4C3A-7B47-8FCE-BFF59B2F6317}" srcId="{71DFF5D0-15A4-A947-9FB8-A657CAF7B5A9}" destId="{E88C5374-FDEA-D545-9C52-3F987E896218}" srcOrd="0" destOrd="0" parTransId="{208B32BE-EFF7-9F40-8173-A23F7758B1C3}" sibTransId="{EB2ED0AC-DF87-2949-8FB4-406D82BFEFDA}"/>
+    <dgm:cxn modelId="{D6389469-745B-9440-A340-9D4B634D5034}" srcId="{71DFF5D0-15A4-A947-9FB8-A657CAF7B5A9}" destId="{7922F62A-7B98-2844-B051-DF7203B1B26F}" srcOrd="1" destOrd="0" parTransId="{5A200C96-A4B6-2246-9CF0-ACF0446C40B2}" sibTransId="{9A024444-77D9-AD4C-802E-827091307D4D}"/>
+    <dgm:cxn modelId="{DF9B7282-0FF1-794F-A40A-D9830EA26284}" srcId="{71DFF5D0-15A4-A947-9FB8-A657CAF7B5A9}" destId="{EBCDF458-3037-F045-8FF6-E4F585E85458}" srcOrd="2" destOrd="0" parTransId="{7FA06524-33D3-E048-908C-B8E9B6719749}" sibTransId="{B65AD985-6561-0843-928C-4DD85FFD7D0F}"/>
+    <dgm:cxn modelId="{1BD94B8D-BB0F-B64C-9950-260F14147593}" type="presOf" srcId="{7922F62A-7B98-2844-B051-DF7203B1B26F}" destId="{A67BD570-60D2-314A-9295-177F49285752}" srcOrd="0" destOrd="0" presId="urn:microsoft.com/office/officeart/2005/8/layout/cycle7"/>
+    <dgm:cxn modelId="{3E0F59A3-479B-A749-BE68-D28065E6D5D8}" type="presOf" srcId="{E88C5374-FDEA-D545-9C52-3F987E896218}" destId="{06C08BB5-CAF6-F14B-B5E0-520705ADA0CA}" srcOrd="0" destOrd="0" presId="urn:microsoft.com/office/officeart/2005/8/layout/cycle7"/>
+    <dgm:cxn modelId="{7DDA56AD-B400-4540-99F1-C5C37D08A5A1}" type="presOf" srcId="{EB2ED0AC-DF87-2949-8FB4-406D82BFEFDA}" destId="{A6BE9B33-DCC4-3044-B1BB-0046C3C98588}" srcOrd="1" destOrd="0" presId="urn:microsoft.com/office/officeart/2005/8/layout/cycle7"/>
+    <dgm:cxn modelId="{D0DABFC8-54F4-FC41-8BED-1FD1E8CB68BE}" type="presOf" srcId="{9A024444-77D9-AD4C-802E-827091307D4D}" destId="{546E7DBC-A6C7-1C4B-8144-DAE3E6136DAA}" srcOrd="1" destOrd="0" presId="urn:microsoft.com/office/officeart/2005/8/layout/cycle7"/>
+    <dgm:cxn modelId="{1EE095CC-0E4A-4D4E-A11A-FD9C4909CC94}" type="presOf" srcId="{EB2ED0AC-DF87-2949-8FB4-406D82BFEFDA}" destId="{8187662D-9D68-8940-943E-6C281B62C988}" srcOrd="0" destOrd="0" presId="urn:microsoft.com/office/officeart/2005/8/layout/cycle7"/>
+    <dgm:cxn modelId="{A5F1FF85-ACF0-EB4F-8AF7-F304F239DD9A}" type="presParOf" srcId="{49C24450-ACEA-704A-9B7C-21F0EA36E3BB}" destId="{06C08BB5-CAF6-F14B-B5E0-520705ADA0CA}" srcOrd="0" destOrd="0" presId="urn:microsoft.com/office/officeart/2005/8/layout/cycle7"/>
+    <dgm:cxn modelId="{8E611804-1F9E-C746-A8FD-2F2CD2407FD9}" type="presParOf" srcId="{49C24450-ACEA-704A-9B7C-21F0EA36E3BB}" destId="{8187662D-9D68-8940-943E-6C281B62C988}" srcOrd="1" destOrd="0" presId="urn:microsoft.com/office/officeart/2005/8/layout/cycle7"/>
+    <dgm:cxn modelId="{06E4DDD3-0318-6049-98E2-3672D0A22FF8}" type="presParOf" srcId="{8187662D-9D68-8940-943E-6C281B62C988}" destId="{A6BE9B33-DCC4-3044-B1BB-0046C3C98588}" srcOrd="0" destOrd="0" presId="urn:microsoft.com/office/officeart/2005/8/layout/cycle7"/>
+    <dgm:cxn modelId="{FB2CB7CD-0BE3-FD41-A50A-15191804056C}" type="presParOf" srcId="{49C24450-ACEA-704A-9B7C-21F0EA36E3BB}" destId="{A67BD570-60D2-314A-9295-177F49285752}" srcOrd="2" destOrd="0" presId="urn:microsoft.com/office/officeart/2005/8/layout/cycle7"/>
+    <dgm:cxn modelId="{FF752FAD-3725-4745-9968-0269AE294691}" type="presParOf" srcId="{49C24450-ACEA-704A-9B7C-21F0EA36E3BB}" destId="{5814A48C-C8C0-8240-9FF0-E6CB1B465396}" srcOrd="3" destOrd="0" presId="urn:microsoft.com/office/officeart/2005/8/layout/cycle7"/>
+    <dgm:cxn modelId="{607797E5-983F-D44E-B55F-074B322C2B45}" type="presParOf" srcId="{5814A48C-C8C0-8240-9FF0-E6CB1B465396}" destId="{546E7DBC-A6C7-1C4B-8144-DAE3E6136DAA}" srcOrd="0" destOrd="0" presId="urn:microsoft.com/office/officeart/2005/8/layout/cycle7"/>
+    <dgm:cxn modelId="{5D1BD422-CA42-2840-87CE-7536CAE499F4}" type="presParOf" srcId="{49C24450-ACEA-704A-9B7C-21F0EA36E3BB}" destId="{105359AA-C494-FB49-9513-56FBF72EDB9E}" srcOrd="4" destOrd="0" presId="urn:microsoft.com/office/officeart/2005/8/layout/cycle7"/>
+    <dgm:cxn modelId="{753E6CE5-7CC9-DC48-9AD4-4B734158960E}" type="presParOf" srcId="{49C24450-ACEA-704A-9B7C-21F0EA36E3BB}" destId="{EB0E44D1-E9C3-8247-95D9-910C27C93CDF}" srcOrd="5" destOrd="0" presId="urn:microsoft.com/office/officeart/2005/8/layout/cycle7"/>
+    <dgm:cxn modelId="{BE68D9C6-AF2D-C843-86FF-97365D2BE5A8}" type="presParOf" srcId="{EB0E44D1-E9C3-8247-95D9-910C27C93CDF}" destId="{A5BAF32E-ECA6-0E45-ABD0-811EB9CDD3B8}" srcOrd="0" destOrd="0" presId="urn:microsoft.com/office/officeart/2005/8/layout/cycle7"/>
+  </dgm:cxnLst>
+  <dgm:bg/>
+  <dgm:whole/>
+  <dgm:extLst>
+    <a:ext uri="http://schemas.microsoft.com/office/drawing/2008/diagram">
+      <dsp:dataModelExt xmlns:dsp="http://schemas.microsoft.com/office/drawing/2008/diagram" relId="rId6" minVer="http://schemas.openxmlformats.org/drawingml/2006/diagram"/>
+    </a:ext>
+  </dgm:extLst>
+</dgm:dataModel>
+</file>
+
+<file path=ppt/diagrams/data2.xml><?xml version="1.0" encoding="utf-8"?>
 <dgm:dataModel xmlns:dgm="http://schemas.openxmlformats.org/drawingml/2006/diagram" xmlns:a="http://schemas.openxmlformats.org/drawingml/2006/main">
   <dgm:ptLst>
     <dgm:pt modelId="{232415DF-E577-0842-8BEA-03A99B32FE85}" type="doc">
@@ -1507,6 +2646,465 @@
 </file>
 
 <file path=ppt/diagrams/drawing1.xml><?xml version="1.0" encoding="utf-8"?>
+<dsp:drawing xmlns:dgm="http://schemas.openxmlformats.org/drawingml/2006/diagram" xmlns:dsp="http://schemas.microsoft.com/office/drawing/2008/diagram" xmlns:a="http://schemas.openxmlformats.org/drawingml/2006/main">
+  <dsp:spTree>
+    <dsp:nvGrpSpPr>
+      <dsp:cNvPr id="0" name=""/>
+      <dsp:cNvGrpSpPr/>
+    </dsp:nvGrpSpPr>
+    <dsp:grpSpPr/>
+    <dsp:sp modelId="{06C08BB5-CAF6-F14B-B5E0-520705ADA0CA}">
+      <dsp:nvSpPr>
+        <dsp:cNvPr id="0" name=""/>
+        <dsp:cNvSpPr/>
+      </dsp:nvSpPr>
+      <dsp:spPr>
+        <a:xfrm>
+          <a:off x="2661046" y="1572"/>
+          <a:ext cx="2805906" cy="1402953"/>
+        </a:xfrm>
+        <a:prstGeom prst="roundRect">
+          <a:avLst>
+            <a:gd name="adj" fmla="val 10000"/>
+          </a:avLst>
+        </a:prstGeom>
+        <a:solidFill>
+          <a:schemeClr val="accent2">
+            <a:hueOff val="0"/>
+            <a:satOff val="0"/>
+            <a:lumOff val="0"/>
+            <a:alphaOff val="0"/>
+          </a:schemeClr>
+        </a:solidFill>
+        <a:ln w="12700" cap="flat" cmpd="sng" algn="ctr">
+          <a:solidFill>
+            <a:schemeClr val="lt1">
+              <a:hueOff val="0"/>
+              <a:satOff val="0"/>
+              <a:lumOff val="0"/>
+              <a:alphaOff val="0"/>
+            </a:schemeClr>
+          </a:solidFill>
+          <a:prstDash val="solid"/>
+          <a:miter lim="800000"/>
+        </a:ln>
+        <a:effectLst/>
+      </dsp:spPr>
+      <dsp:style>
+        <a:lnRef idx="2">
+          <a:scrgbClr r="0" g="0" b="0"/>
+        </a:lnRef>
+        <a:fillRef idx="1">
+          <a:scrgbClr r="0" g="0" b="0"/>
+        </a:fillRef>
+        <a:effectRef idx="0">
+          <a:scrgbClr r="0" g="0" b="0"/>
+        </a:effectRef>
+        <a:fontRef idx="minor">
+          <a:schemeClr val="lt1"/>
+        </a:fontRef>
+      </dsp:style>
+      <dsp:txBody>
+        <a:bodyPr spcFirstLastPara="0" vert="horz" wrap="square" lIns="140970" tIns="140970" rIns="140970" bIns="140970" numCol="1" spcCol="1270" anchor="ctr" anchorCtr="0">
+          <a:noAutofit/>
+        </a:bodyPr>
+        <a:lstStyle/>
+        <a:p>
+          <a:pPr marL="0" lvl="0" indent="0" algn="ctr" defTabSz="1644650">
+            <a:lnSpc>
+              <a:spcPct val="90000"/>
+            </a:lnSpc>
+            <a:spcBef>
+              <a:spcPct val="0"/>
+            </a:spcBef>
+            <a:spcAft>
+              <a:spcPct val="35000"/>
+            </a:spcAft>
+            <a:buNone/>
+          </a:pPr>
+          <a:r>
+            <a:rPr lang="en-US" sz="3700" kern="1200" dirty="0"/>
+            <a:t>Diagram</a:t>
+          </a:r>
+        </a:p>
+      </dsp:txBody>
+      <dsp:txXfrm>
+        <a:off x="2702137" y="42663"/>
+        <a:ext cx="2723724" cy="1320771"/>
+      </dsp:txXfrm>
+    </dsp:sp>
+    <dsp:sp modelId="{8187662D-9D68-8940-943E-6C281B62C988}">
+      <dsp:nvSpPr>
+        <dsp:cNvPr id="0" name=""/>
+        <dsp:cNvSpPr/>
+      </dsp:nvSpPr>
+      <dsp:spPr>
+        <a:xfrm rot="3600000">
+          <a:off x="4491365" y="2463816"/>
+          <a:ext cx="1461927" cy="491033"/>
+        </a:xfrm>
+        <a:prstGeom prst="leftRightArrow">
+          <a:avLst>
+            <a:gd name="adj1" fmla="val 60000"/>
+            <a:gd name="adj2" fmla="val 50000"/>
+          </a:avLst>
+        </a:prstGeom>
+        <a:solidFill>
+          <a:schemeClr val="accent2">
+            <a:hueOff val="0"/>
+            <a:satOff val="0"/>
+            <a:lumOff val="0"/>
+            <a:alphaOff val="0"/>
+          </a:schemeClr>
+        </a:solidFill>
+        <a:ln>
+          <a:noFill/>
+        </a:ln>
+        <a:effectLst/>
+      </dsp:spPr>
+      <dsp:style>
+        <a:lnRef idx="0">
+          <a:scrgbClr r="0" g="0" b="0"/>
+        </a:lnRef>
+        <a:fillRef idx="1">
+          <a:scrgbClr r="0" g="0" b="0"/>
+        </a:fillRef>
+        <a:effectRef idx="0">
+          <a:scrgbClr r="0" g="0" b="0"/>
+        </a:effectRef>
+        <a:fontRef idx="minor">
+          <a:schemeClr val="lt1"/>
+        </a:fontRef>
+      </dsp:style>
+      <dsp:txBody>
+        <a:bodyPr spcFirstLastPara="0" vert="horz" wrap="square" lIns="0" tIns="0" rIns="0" bIns="0" numCol="1" spcCol="1270" anchor="ctr" anchorCtr="0">
+          <a:noAutofit/>
+        </a:bodyPr>
+        <a:lstStyle/>
+        <a:p>
+          <a:pPr marL="0" lvl="0" indent="0" algn="ctr" defTabSz="933450">
+            <a:lnSpc>
+              <a:spcPct val="90000"/>
+            </a:lnSpc>
+            <a:spcBef>
+              <a:spcPct val="0"/>
+            </a:spcBef>
+            <a:spcAft>
+              <a:spcPct val="35000"/>
+            </a:spcAft>
+            <a:buNone/>
+          </a:pPr>
+          <a:endParaRPr lang="en-US" sz="2100" kern="1200"/>
+        </a:p>
+      </dsp:txBody>
+      <dsp:txXfrm>
+        <a:off x="4638675" y="2562023"/>
+        <a:ext cx="1167307" cy="294619"/>
+      </dsp:txXfrm>
+    </dsp:sp>
+    <dsp:sp modelId="{A67BD570-60D2-314A-9295-177F49285752}">
+      <dsp:nvSpPr>
+        <dsp:cNvPr id="0" name=""/>
+        <dsp:cNvSpPr/>
+      </dsp:nvSpPr>
+      <dsp:spPr>
+        <a:xfrm>
+          <a:off x="4977704" y="4014141"/>
+          <a:ext cx="2805906" cy="1402953"/>
+        </a:xfrm>
+        <a:prstGeom prst="roundRect">
+          <a:avLst>
+            <a:gd name="adj" fmla="val 10000"/>
+          </a:avLst>
+        </a:prstGeom>
+        <a:solidFill>
+          <a:schemeClr val="accent3">
+            <a:hueOff val="0"/>
+            <a:satOff val="0"/>
+            <a:lumOff val="0"/>
+            <a:alphaOff val="0"/>
+          </a:schemeClr>
+        </a:solidFill>
+        <a:ln w="12700" cap="flat" cmpd="sng" algn="ctr">
+          <a:solidFill>
+            <a:schemeClr val="lt1">
+              <a:hueOff val="0"/>
+              <a:satOff val="0"/>
+              <a:lumOff val="0"/>
+              <a:alphaOff val="0"/>
+            </a:schemeClr>
+          </a:solidFill>
+          <a:prstDash val="solid"/>
+          <a:miter lim="800000"/>
+        </a:ln>
+        <a:effectLst/>
+      </dsp:spPr>
+      <dsp:style>
+        <a:lnRef idx="2">
+          <a:scrgbClr r="0" g="0" b="0"/>
+        </a:lnRef>
+        <a:fillRef idx="1">
+          <a:scrgbClr r="0" g="0" b="0"/>
+        </a:fillRef>
+        <a:effectRef idx="0">
+          <a:scrgbClr r="0" g="0" b="0"/>
+        </a:effectRef>
+        <a:fontRef idx="minor">
+          <a:schemeClr val="lt1"/>
+        </a:fontRef>
+      </dsp:style>
+      <dsp:txBody>
+        <a:bodyPr spcFirstLastPara="0" vert="horz" wrap="square" lIns="140970" tIns="140970" rIns="140970" bIns="140970" numCol="1" spcCol="1270" anchor="ctr" anchorCtr="0">
+          <a:noAutofit/>
+        </a:bodyPr>
+        <a:lstStyle/>
+        <a:p>
+          <a:pPr marL="0" lvl="0" indent="0" algn="ctr" defTabSz="1644650">
+            <a:lnSpc>
+              <a:spcPct val="90000"/>
+            </a:lnSpc>
+            <a:spcBef>
+              <a:spcPct val="0"/>
+            </a:spcBef>
+            <a:spcAft>
+              <a:spcPct val="35000"/>
+            </a:spcAft>
+            <a:buNone/>
+          </a:pPr>
+          <a:r>
+            <a:rPr lang="en-US" sz="3700" kern="1200" dirty="0"/>
+            <a:t>Symbolic Expression</a:t>
+          </a:r>
+        </a:p>
+      </dsp:txBody>
+      <dsp:txXfrm>
+        <a:off x="5018795" y="4055232"/>
+        <a:ext cx="2723724" cy="1320771"/>
+      </dsp:txXfrm>
+    </dsp:sp>
+    <dsp:sp modelId="{5814A48C-C8C0-8240-9FF0-E6CB1B465396}">
+      <dsp:nvSpPr>
+        <dsp:cNvPr id="0" name=""/>
+        <dsp:cNvSpPr/>
+      </dsp:nvSpPr>
+      <dsp:spPr>
+        <a:xfrm rot="10800000">
+          <a:off x="3333036" y="4470101"/>
+          <a:ext cx="1461927" cy="491033"/>
+        </a:xfrm>
+        <a:prstGeom prst="leftRightArrow">
+          <a:avLst>
+            <a:gd name="adj1" fmla="val 60000"/>
+            <a:gd name="adj2" fmla="val 50000"/>
+          </a:avLst>
+        </a:prstGeom>
+        <a:solidFill>
+          <a:schemeClr val="accent3">
+            <a:hueOff val="0"/>
+            <a:satOff val="0"/>
+            <a:lumOff val="0"/>
+            <a:alphaOff val="0"/>
+          </a:schemeClr>
+        </a:solidFill>
+        <a:ln>
+          <a:noFill/>
+        </a:ln>
+        <a:effectLst/>
+      </dsp:spPr>
+      <dsp:style>
+        <a:lnRef idx="0">
+          <a:scrgbClr r="0" g="0" b="0"/>
+        </a:lnRef>
+        <a:fillRef idx="1">
+          <a:scrgbClr r="0" g="0" b="0"/>
+        </a:fillRef>
+        <a:effectRef idx="0">
+          <a:scrgbClr r="0" g="0" b="0"/>
+        </a:effectRef>
+        <a:fontRef idx="minor">
+          <a:schemeClr val="lt1"/>
+        </a:fontRef>
+      </dsp:style>
+      <dsp:txBody>
+        <a:bodyPr spcFirstLastPara="0" vert="horz" wrap="square" lIns="0" tIns="0" rIns="0" bIns="0" numCol="1" spcCol="1270" anchor="ctr" anchorCtr="0">
+          <a:noAutofit/>
+        </a:bodyPr>
+        <a:lstStyle/>
+        <a:p>
+          <a:pPr marL="0" lvl="0" indent="0" algn="ctr" defTabSz="933450">
+            <a:lnSpc>
+              <a:spcPct val="90000"/>
+            </a:lnSpc>
+            <a:spcBef>
+              <a:spcPct val="0"/>
+            </a:spcBef>
+            <a:spcAft>
+              <a:spcPct val="35000"/>
+            </a:spcAft>
+            <a:buNone/>
+          </a:pPr>
+          <a:endParaRPr lang="en-US" sz="2100" kern="1200"/>
+        </a:p>
+      </dsp:txBody>
+      <dsp:txXfrm rot="10800000">
+        <a:off x="3480346" y="4568308"/>
+        <a:ext cx="1167307" cy="294619"/>
+      </dsp:txXfrm>
+    </dsp:sp>
+    <dsp:sp modelId="{105359AA-C494-FB49-9513-56FBF72EDB9E}">
+      <dsp:nvSpPr>
+        <dsp:cNvPr id="0" name=""/>
+        <dsp:cNvSpPr/>
+      </dsp:nvSpPr>
+      <dsp:spPr>
+        <a:xfrm>
+          <a:off x="344389" y="4014141"/>
+          <a:ext cx="2805906" cy="1402953"/>
+        </a:xfrm>
+        <a:prstGeom prst="roundRect">
+          <a:avLst>
+            <a:gd name="adj" fmla="val 10000"/>
+          </a:avLst>
+        </a:prstGeom>
+        <a:solidFill>
+          <a:schemeClr val="accent4">
+            <a:hueOff val="0"/>
+            <a:satOff val="0"/>
+            <a:lumOff val="0"/>
+            <a:alphaOff val="0"/>
+          </a:schemeClr>
+        </a:solidFill>
+        <a:ln w="12700" cap="flat" cmpd="sng" algn="ctr">
+          <a:solidFill>
+            <a:schemeClr val="lt1">
+              <a:hueOff val="0"/>
+              <a:satOff val="0"/>
+              <a:lumOff val="0"/>
+              <a:alphaOff val="0"/>
+            </a:schemeClr>
+          </a:solidFill>
+          <a:prstDash val="solid"/>
+          <a:miter lim="800000"/>
+        </a:ln>
+        <a:effectLst/>
+      </dsp:spPr>
+      <dsp:style>
+        <a:lnRef idx="2">
+          <a:scrgbClr r="0" g="0" b="0"/>
+        </a:lnRef>
+        <a:fillRef idx="1">
+          <a:scrgbClr r="0" g="0" b="0"/>
+        </a:fillRef>
+        <a:effectRef idx="0">
+          <a:scrgbClr r="0" g="0" b="0"/>
+        </a:effectRef>
+        <a:fontRef idx="minor">
+          <a:schemeClr val="lt1"/>
+        </a:fontRef>
+      </dsp:style>
+      <dsp:txBody>
+        <a:bodyPr spcFirstLastPara="0" vert="horz" wrap="square" lIns="140970" tIns="140970" rIns="140970" bIns="140970" numCol="1" spcCol="1270" anchor="ctr" anchorCtr="0">
+          <a:noAutofit/>
+        </a:bodyPr>
+        <a:lstStyle/>
+        <a:p>
+          <a:pPr marL="0" lvl="0" indent="0" algn="ctr" defTabSz="1644650">
+            <a:lnSpc>
+              <a:spcPct val="90000"/>
+            </a:lnSpc>
+            <a:spcBef>
+              <a:spcPct val="0"/>
+            </a:spcBef>
+            <a:spcAft>
+              <a:spcPct val="35000"/>
+            </a:spcAft>
+            <a:buNone/>
+          </a:pPr>
+          <a:r>
+            <a:rPr lang="en-US" sz="3700" kern="1200" dirty="0"/>
+            <a:t>Simulation</a:t>
+          </a:r>
+        </a:p>
+      </dsp:txBody>
+      <dsp:txXfrm>
+        <a:off x="385480" y="4055232"/>
+        <a:ext cx="2723724" cy="1320771"/>
+      </dsp:txXfrm>
+    </dsp:sp>
+    <dsp:sp modelId="{EB0E44D1-E9C3-8247-95D9-910C27C93CDF}">
+      <dsp:nvSpPr>
+        <dsp:cNvPr id="0" name=""/>
+        <dsp:cNvSpPr/>
+      </dsp:nvSpPr>
+      <dsp:spPr>
+        <a:xfrm rot="18000000">
+          <a:off x="2174707" y="2463816"/>
+          <a:ext cx="1461927" cy="491033"/>
+        </a:xfrm>
+        <a:prstGeom prst="leftRightArrow">
+          <a:avLst>
+            <a:gd name="adj1" fmla="val 60000"/>
+            <a:gd name="adj2" fmla="val 50000"/>
+          </a:avLst>
+        </a:prstGeom>
+        <a:solidFill>
+          <a:schemeClr val="accent4">
+            <a:hueOff val="0"/>
+            <a:satOff val="0"/>
+            <a:lumOff val="0"/>
+            <a:alphaOff val="0"/>
+          </a:schemeClr>
+        </a:solidFill>
+        <a:ln>
+          <a:noFill/>
+        </a:ln>
+        <a:effectLst/>
+      </dsp:spPr>
+      <dsp:style>
+        <a:lnRef idx="0">
+          <a:scrgbClr r="0" g="0" b="0"/>
+        </a:lnRef>
+        <a:fillRef idx="1">
+          <a:scrgbClr r="0" g="0" b="0"/>
+        </a:fillRef>
+        <a:effectRef idx="0">
+          <a:scrgbClr r="0" g="0" b="0"/>
+        </a:effectRef>
+        <a:fontRef idx="minor">
+          <a:schemeClr val="lt1"/>
+        </a:fontRef>
+      </dsp:style>
+      <dsp:txBody>
+        <a:bodyPr spcFirstLastPara="0" vert="horz" wrap="square" lIns="0" tIns="0" rIns="0" bIns="0" numCol="1" spcCol="1270" anchor="ctr" anchorCtr="0">
+          <a:noAutofit/>
+        </a:bodyPr>
+        <a:lstStyle/>
+        <a:p>
+          <a:pPr marL="0" lvl="0" indent="0" algn="ctr" defTabSz="933450">
+            <a:lnSpc>
+              <a:spcPct val="90000"/>
+            </a:lnSpc>
+            <a:spcBef>
+              <a:spcPct val="0"/>
+            </a:spcBef>
+            <a:spcAft>
+              <a:spcPct val="35000"/>
+            </a:spcAft>
+            <a:buNone/>
+          </a:pPr>
+          <a:endParaRPr lang="en-US" sz="2100" kern="1200"/>
+        </a:p>
+      </dsp:txBody>
+      <dsp:txXfrm>
+        <a:off x="2322017" y="2562023"/>
+        <a:ext cx="1167307" cy="294619"/>
+      </dsp:txXfrm>
+    </dsp:sp>
+  </dsp:spTree>
+</dsp:drawing>
+</file>
+
+<file path=ppt/diagrams/drawing2.xml><?xml version="1.0" encoding="utf-8"?>
 <dsp:drawing xmlns:dgm="http://schemas.openxmlformats.org/drawingml/2006/diagram" xmlns:dsp="http://schemas.microsoft.com/office/drawing/2008/diagram" xmlns:a="http://schemas.openxmlformats.org/drawingml/2006/main">
   <dsp:spTree>
     <dsp:nvGrpSpPr>
@@ -2426,6 +4024,194 @@
 </file>
 
 <file path=ppt/diagrams/layout1.xml><?xml version="1.0" encoding="utf-8"?>
+<dgm:layoutDef xmlns:dgm="http://schemas.openxmlformats.org/drawingml/2006/diagram" xmlns:a="http://schemas.openxmlformats.org/drawingml/2006/main" uniqueId="urn:microsoft.com/office/officeart/2005/8/layout/cycle7">
+  <dgm:title val=""/>
+  <dgm:desc val=""/>
+  <dgm:catLst>
+    <dgm:cat type="cycle" pri="6000"/>
+  </dgm:catLst>
+  <dgm:sampData>
+    <dgm:dataModel>
+      <dgm:ptLst>
+        <dgm:pt modelId="0" type="doc"/>
+        <dgm:pt modelId="1">
+          <dgm:prSet phldr="1"/>
+        </dgm:pt>
+        <dgm:pt modelId="2">
+          <dgm:prSet phldr="1"/>
+        </dgm:pt>
+        <dgm:pt modelId="3">
+          <dgm:prSet phldr="1"/>
+        </dgm:pt>
+      </dgm:ptLst>
+      <dgm:cxnLst>
+        <dgm:cxn modelId="6" srcId="0" destId="1" srcOrd="0" destOrd="0"/>
+        <dgm:cxn modelId="7" srcId="0" destId="2" srcOrd="1" destOrd="0"/>
+        <dgm:cxn modelId="8" srcId="0" destId="3" srcOrd="2" destOrd="0"/>
+      </dgm:cxnLst>
+      <dgm:bg/>
+      <dgm:whole/>
+    </dgm:dataModel>
+  </dgm:sampData>
+  <dgm:styleData>
+    <dgm:dataModel>
+      <dgm:ptLst>
+        <dgm:pt modelId="0" type="doc"/>
+        <dgm:pt modelId="1"/>
+        <dgm:pt modelId="2"/>
+        <dgm:pt modelId="3"/>
+      </dgm:ptLst>
+      <dgm:cxnLst>
+        <dgm:cxn modelId="4" srcId="0" destId="1" srcOrd="0" destOrd="0"/>
+        <dgm:cxn modelId="5" srcId="0" destId="2" srcOrd="1" destOrd="0"/>
+        <dgm:cxn modelId="6" srcId="0" destId="3" srcOrd="2" destOrd="0"/>
+      </dgm:cxnLst>
+      <dgm:bg/>
+      <dgm:whole/>
+    </dgm:dataModel>
+  </dgm:styleData>
+  <dgm:clrData>
+    <dgm:dataModel>
+      <dgm:ptLst>
+        <dgm:pt modelId="0" type="doc"/>
+        <dgm:pt modelId="1"/>
+        <dgm:pt modelId="2"/>
+        <dgm:pt modelId="3"/>
+        <dgm:pt modelId="4"/>
+        <dgm:pt modelId="5"/>
+        <dgm:pt modelId="6"/>
+      </dgm:ptLst>
+      <dgm:cxnLst>
+        <dgm:cxn modelId="7" srcId="0" destId="1" srcOrd="0" destOrd="0"/>
+        <dgm:cxn modelId="8" srcId="0" destId="2" srcOrd="1" destOrd="0"/>
+        <dgm:cxn modelId="9" srcId="0" destId="3" srcOrd="2" destOrd="0"/>
+        <dgm:cxn modelId="10" srcId="0" destId="4" srcOrd="3" destOrd="0"/>
+        <dgm:cxn modelId="11" srcId="0" destId="5" srcOrd="4" destOrd="0"/>
+        <dgm:cxn modelId="12" srcId="0" destId="6" srcOrd="5" destOrd="0"/>
+      </dgm:cxnLst>
+      <dgm:bg/>
+      <dgm:whole/>
+    </dgm:dataModel>
+  </dgm:clrData>
+  <dgm:layoutNode name="Name0">
+    <dgm:varLst>
+      <dgm:dir/>
+      <dgm:resizeHandles val="exact"/>
+    </dgm:varLst>
+    <dgm:choose name="Name1">
+      <dgm:if name="Name2" func="var" arg="dir" op="equ" val="norm">
+        <dgm:alg type="cycle">
+          <dgm:param type="stAng" val="0"/>
+          <dgm:param type="spanAng" val="360"/>
+        </dgm:alg>
+      </dgm:if>
+      <dgm:else name="Name3">
+        <dgm:alg type="cycle">
+          <dgm:param type="stAng" val="0"/>
+          <dgm:param type="spanAng" val="-360"/>
+        </dgm:alg>
+      </dgm:else>
+    </dgm:choose>
+    <dgm:shape xmlns:r="http://schemas.openxmlformats.org/officeDocument/2006/relationships" r:blip="">
+      <dgm:adjLst/>
+    </dgm:shape>
+    <dgm:presOf/>
+    <dgm:constrLst>
+      <dgm:constr type="diam" refType="w"/>
+      <dgm:constr type="w" for="ch" ptType="node" refType="w"/>
+      <dgm:constr type="primFontSz" for="ch" ptType="node" op="equ" val="65"/>
+      <dgm:constr type="w" for="ch" forName="sibTrans" refType="w" refFor="ch" refPtType="node" op="equ" fact="0.35"/>
+      <dgm:constr type="connDist" for="ch" forName="sibTrans" op="equ"/>
+      <dgm:constr type="primFontSz" for="des" forName="connectorText" op="equ" val="55"/>
+      <dgm:constr type="primFontSz" for="des" forName="connectorText" refType="primFontSz" refFor="ch" refPtType="node" op="lte" fact="0.8"/>
+      <dgm:constr type="sibSp" refType="w" refFor="ch" refPtType="node" op="equ" fact="0.65"/>
+    </dgm:constrLst>
+    <dgm:ruleLst/>
+    <dgm:forEach name="nodesForEach" axis="ch" ptType="node">
+      <dgm:layoutNode name="node">
+        <dgm:varLst>
+          <dgm:bulletEnabled val="1"/>
+        </dgm:varLst>
+        <dgm:alg type="tx"/>
+        <dgm:shape xmlns:r="http://schemas.openxmlformats.org/officeDocument/2006/relationships" type="roundRect" r:blip="">
+          <dgm:adjLst>
+            <dgm:adj idx="1" val="0.1"/>
+          </dgm:adjLst>
+        </dgm:shape>
+        <dgm:presOf axis="desOrSelf" ptType="node"/>
+        <dgm:constrLst>
+          <dgm:constr type="h" refType="w" fact="0.5"/>
+          <dgm:constr type="tMarg" refType="primFontSz" fact="0.3"/>
+          <dgm:constr type="bMarg" refType="primFontSz" fact="0.3"/>
+          <dgm:constr type="lMarg" refType="primFontSz" fact="0.3"/>
+          <dgm:constr type="rMarg" refType="primFontSz" fact="0.3"/>
+        </dgm:constrLst>
+        <dgm:ruleLst>
+          <dgm:rule type="primFontSz" val="5" fact="NaN" max="NaN"/>
+        </dgm:ruleLst>
+      </dgm:layoutNode>
+      <dgm:choose name="Name4">
+        <dgm:if name="Name5" axis="par ch" ptType="doc node" func="cnt" op="gt" val="1">
+          <dgm:forEach name="sibTransForEach" axis="followSib" ptType="sibTrans" hideLastTrans="0" cnt="1">
+            <dgm:layoutNode name="sibTrans">
+              <dgm:choose name="Name6">
+                <dgm:if name="Name7" axis="par ch" ptType="doc node" func="posEven" op="equ" val="1">
+                  <dgm:alg type="conn">
+                    <dgm:param type="begPts" val="radial"/>
+                    <dgm:param type="endPts" val="radial"/>
+                    <dgm:param type="begSty" val="arr"/>
+                    <dgm:param type="endSty" val="arr"/>
+                  </dgm:alg>
+                </dgm:if>
+                <dgm:else name="Name8">
+                  <dgm:alg type="conn">
+                    <dgm:param type="begPts" val="auto"/>
+                    <dgm:param type="endPts" val="auto"/>
+                    <dgm:param type="begSty" val="arr"/>
+                    <dgm:param type="endSty" val="arr"/>
+                  </dgm:alg>
+                </dgm:else>
+              </dgm:choose>
+              <dgm:shape xmlns:r="http://schemas.openxmlformats.org/officeDocument/2006/relationships" type="conn" r:blip="">
+                <dgm:adjLst/>
+              </dgm:shape>
+              <dgm:presOf axis="self"/>
+              <dgm:constrLst>
+                <dgm:constr type="h" refType="w" fact="0.5"/>
+                <dgm:constr type="connDist"/>
+                <dgm:constr type="begPad" refType="connDist" fact="0.1"/>
+                <dgm:constr type="endPad" refType="connDist" fact="0.1"/>
+              </dgm:constrLst>
+              <dgm:ruleLst/>
+              <dgm:layoutNode name="connectorText">
+                <dgm:alg type="tx">
+                  <dgm:param type="autoTxRot" val="grav"/>
+                </dgm:alg>
+                <dgm:shape xmlns:r="http://schemas.openxmlformats.org/officeDocument/2006/relationships" type="conn" r:blip="" hideGeom="1">
+                  <dgm:adjLst/>
+                </dgm:shape>
+                <dgm:presOf axis="self"/>
+                <dgm:constrLst>
+                  <dgm:constr type="lMarg"/>
+                  <dgm:constr type="rMarg"/>
+                  <dgm:constr type="tMarg"/>
+                  <dgm:constr type="bMarg"/>
+                </dgm:constrLst>
+                <dgm:ruleLst>
+                  <dgm:rule type="primFontSz" val="5" fact="NaN" max="NaN"/>
+                </dgm:ruleLst>
+              </dgm:layoutNode>
+            </dgm:layoutNode>
+          </dgm:forEach>
+        </dgm:if>
+        <dgm:else name="Name9"/>
+      </dgm:choose>
+    </dgm:forEach>
+  </dgm:layoutNode>
+</dgm:layoutDef>
+</file>
+
+<file path=ppt/diagrams/layout2.xml><?xml version="1.0" encoding="utf-8"?>
 <dgm:layoutDef xmlns:dgm="http://schemas.openxmlformats.org/drawingml/2006/diagram" xmlns:a="http://schemas.openxmlformats.org/drawingml/2006/main" uniqueId="urn:microsoft.com/office/officeart/2005/8/layout/orgChart1">
   <dgm:title val=""/>
   <dgm:desc val=""/>
@@ -3572,6 +5358,1040 @@
 </file>
 
 <file path=ppt/diagrams/quickStyle1.xml><?xml version="1.0" encoding="utf-8"?>
+<dgm:styleDef xmlns:dgm="http://schemas.openxmlformats.org/drawingml/2006/diagram" xmlns:a="http://schemas.openxmlformats.org/drawingml/2006/main" uniqueId="urn:microsoft.com/office/officeart/2005/8/quickstyle/simple1">
+  <dgm:title val=""/>
+  <dgm:desc val=""/>
+  <dgm:catLst>
+    <dgm:cat type="simple" pri="10100"/>
+  </dgm:catLst>
+  <dgm:scene3d>
+    <a:camera prst="orthographicFront"/>
+    <a:lightRig rig="threePt" dir="t"/>
+  </dgm:scene3d>
+  <dgm:styleLbl name="node0">
+    <dgm:scene3d>
+      <a:camera prst="orthographicFront"/>
+      <a:lightRig rig="threePt" dir="t"/>
+    </dgm:scene3d>
+    <dgm:sp3d/>
+    <dgm:txPr/>
+    <dgm:style>
+      <a:lnRef idx="2">
+        <a:scrgbClr r="0" g="0" b="0"/>
+      </a:lnRef>
+      <a:fillRef idx="1">
+        <a:scrgbClr r="0" g="0" b="0"/>
+      </a:fillRef>
+      <a:effectRef idx="0">
+        <a:scrgbClr r="0" g="0" b="0"/>
+      </a:effectRef>
+      <a:fontRef idx="minor">
+        <a:schemeClr val="lt1"/>
+      </a:fontRef>
+    </dgm:style>
+  </dgm:styleLbl>
+  <dgm:styleLbl name="lnNode1">
+    <dgm:scene3d>
+      <a:camera prst="orthographicFront"/>
+      <a:lightRig rig="threePt" dir="t"/>
+    </dgm:scene3d>
+    <dgm:sp3d/>
+    <dgm:txPr/>
+    <dgm:style>
+      <a:lnRef idx="2">
+        <a:scrgbClr r="0" g="0" b="0"/>
+      </a:lnRef>
+      <a:fillRef idx="1">
+        <a:scrgbClr r="0" g="0" b="0"/>
+      </a:fillRef>
+      <a:effectRef idx="0">
+        <a:scrgbClr r="0" g="0" b="0"/>
+      </a:effectRef>
+      <a:fontRef idx="minor">
+        <a:schemeClr val="lt1"/>
+      </a:fontRef>
+    </dgm:style>
+  </dgm:styleLbl>
+  <dgm:styleLbl name="vennNode1">
+    <dgm:scene3d>
+      <a:camera prst="orthographicFront"/>
+      <a:lightRig rig="threePt" dir="t"/>
+    </dgm:scene3d>
+    <dgm:sp3d/>
+    <dgm:txPr/>
+    <dgm:style>
+      <a:lnRef idx="2">
+        <a:scrgbClr r="0" g="0" b="0"/>
+      </a:lnRef>
+      <a:fillRef idx="1">
+        <a:scrgbClr r="0" g="0" b="0"/>
+      </a:fillRef>
+      <a:effectRef idx="0">
+        <a:scrgbClr r="0" g="0" b="0"/>
+      </a:effectRef>
+      <a:fontRef idx="minor">
+        <a:schemeClr val="tx1"/>
+      </a:fontRef>
+    </dgm:style>
+  </dgm:styleLbl>
+  <dgm:styleLbl name="alignNode1">
+    <dgm:scene3d>
+      <a:camera prst="orthographicFront"/>
+      <a:lightRig rig="threePt" dir="t"/>
+    </dgm:scene3d>
+    <dgm:sp3d/>
+    <dgm:txPr/>
+    <dgm:style>
+      <a:lnRef idx="2">
+        <a:scrgbClr r="0" g="0" b="0"/>
+      </a:lnRef>
+      <a:fillRef idx="1">
+        <a:scrgbClr r="0" g="0" b="0"/>
+      </a:fillRef>
+      <a:effectRef idx="0">
+        <a:scrgbClr r="0" g="0" b="0"/>
+      </a:effectRef>
+      <a:fontRef idx="minor">
+        <a:schemeClr val="lt1"/>
+      </a:fontRef>
+    </dgm:style>
+  </dgm:styleLbl>
+  <dgm:styleLbl name="node1">
+    <dgm:scene3d>
+      <a:camera prst="orthographicFront"/>
+      <a:lightRig rig="threePt" dir="t"/>
+    </dgm:scene3d>
+    <dgm:sp3d/>
+    <dgm:txPr/>
+    <dgm:style>
+      <a:lnRef idx="2">
+        <a:scrgbClr r="0" g="0" b="0"/>
+      </a:lnRef>
+      <a:fillRef idx="1">
+        <a:scrgbClr r="0" g="0" b="0"/>
+      </a:fillRef>
+      <a:effectRef idx="0">
+        <a:scrgbClr r="0" g="0" b="0"/>
+      </a:effectRef>
+      <a:fontRef idx="minor">
+        <a:schemeClr val="lt1"/>
+      </a:fontRef>
+    </dgm:style>
+  </dgm:styleLbl>
+  <dgm:styleLbl name="node2">
+    <dgm:scene3d>
+      <a:camera prst="orthographicFront"/>
+      <a:lightRig rig="threePt" dir="t"/>
+    </dgm:scene3d>
+    <dgm:sp3d/>
+    <dgm:txPr/>
+    <dgm:style>
+      <a:lnRef idx="2">
+        <a:scrgbClr r="0" g="0" b="0"/>
+      </a:lnRef>
+      <a:fillRef idx="1">
+        <a:scrgbClr r="0" g="0" b="0"/>
+      </a:fillRef>
+      <a:effectRef idx="0">
+        <a:scrgbClr r="0" g="0" b="0"/>
+      </a:effectRef>
+      <a:fontRef idx="minor">
+        <a:schemeClr val="lt1"/>
+      </a:fontRef>
+    </dgm:style>
+  </dgm:styleLbl>
+  <dgm:styleLbl name="node3">
+    <dgm:scene3d>
+      <a:camera prst="orthographicFront"/>
+      <a:lightRig rig="threePt" dir="t"/>
+    </dgm:scene3d>
+    <dgm:sp3d/>
+    <dgm:txPr/>
+    <dgm:style>
+      <a:lnRef idx="2">
+        <a:scrgbClr r="0" g="0" b="0"/>
+      </a:lnRef>
+      <a:fillRef idx="1">
+        <a:scrgbClr r="0" g="0" b="0"/>
+      </a:fillRef>
+      <a:effectRef idx="0">
+        <a:scrgbClr r="0" g="0" b="0"/>
+      </a:effectRef>
+      <a:fontRef idx="minor">
+        <a:schemeClr val="lt1"/>
+      </a:fontRef>
+    </dgm:style>
+  </dgm:styleLbl>
+  <dgm:styleLbl name="node4">
+    <dgm:scene3d>
+      <a:camera prst="orthographicFront"/>
+      <a:lightRig rig="threePt" dir="t"/>
+    </dgm:scene3d>
+    <dgm:sp3d/>
+    <dgm:txPr/>
+    <dgm:style>
+      <a:lnRef idx="2">
+        <a:scrgbClr r="0" g="0" b="0"/>
+      </a:lnRef>
+      <a:fillRef idx="1">
+        <a:scrgbClr r="0" g="0" b="0"/>
+      </a:fillRef>
+      <a:effectRef idx="0">
+        <a:scrgbClr r="0" g="0" b="0"/>
+      </a:effectRef>
+      <a:fontRef idx="minor">
+        <a:schemeClr val="lt1"/>
+      </a:fontRef>
+    </dgm:style>
+  </dgm:styleLbl>
+  <dgm:styleLbl name="fgImgPlace1">
+    <dgm:scene3d>
+      <a:camera prst="orthographicFront"/>
+      <a:lightRig rig="threePt" dir="t"/>
+    </dgm:scene3d>
+    <dgm:sp3d/>
+    <dgm:txPr/>
+    <dgm:style>
+      <a:lnRef idx="2">
+        <a:scrgbClr r="0" g="0" b="0"/>
+      </a:lnRef>
+      <a:fillRef idx="1">
+        <a:scrgbClr r="0" g="0" b="0"/>
+      </a:fillRef>
+      <a:effectRef idx="0">
+        <a:scrgbClr r="0" g="0" b="0"/>
+      </a:effectRef>
+      <a:fontRef idx="minor"/>
+    </dgm:style>
+  </dgm:styleLbl>
+  <dgm:styleLbl name="alignImgPlace1">
+    <dgm:scene3d>
+      <a:camera prst="orthographicFront"/>
+      <a:lightRig rig="threePt" dir="t"/>
+    </dgm:scene3d>
+    <dgm:sp3d/>
+    <dgm:txPr/>
+    <dgm:style>
+      <a:lnRef idx="2">
+        <a:scrgbClr r="0" g="0" b="0"/>
+      </a:lnRef>
+      <a:fillRef idx="1">
+        <a:scrgbClr r="0" g="0" b="0"/>
+      </a:fillRef>
+      <a:effectRef idx="0">
+        <a:scrgbClr r="0" g="0" b="0"/>
+      </a:effectRef>
+      <a:fontRef idx="minor"/>
+    </dgm:style>
+  </dgm:styleLbl>
+  <dgm:styleLbl name="bgImgPlace1">
+    <dgm:scene3d>
+      <a:camera prst="orthographicFront"/>
+      <a:lightRig rig="threePt" dir="t"/>
+    </dgm:scene3d>
+    <dgm:sp3d/>
+    <dgm:txPr/>
+    <dgm:style>
+      <a:lnRef idx="2">
+        <a:scrgbClr r="0" g="0" b="0"/>
+      </a:lnRef>
+      <a:fillRef idx="1">
+        <a:scrgbClr r="0" g="0" b="0"/>
+      </a:fillRef>
+      <a:effectRef idx="0">
+        <a:scrgbClr r="0" g="0" b="0"/>
+      </a:effectRef>
+      <a:fontRef idx="minor"/>
+    </dgm:style>
+  </dgm:styleLbl>
+  <dgm:styleLbl name="sibTrans2D1">
+    <dgm:scene3d>
+      <a:camera prst="orthographicFront"/>
+      <a:lightRig rig="threePt" dir="t"/>
+    </dgm:scene3d>
+    <dgm:sp3d/>
+    <dgm:txPr/>
+    <dgm:style>
+      <a:lnRef idx="0">
+        <a:scrgbClr r="0" g="0" b="0"/>
+      </a:lnRef>
+      <a:fillRef idx="1">
+        <a:scrgbClr r="0" g="0" b="0"/>
+      </a:fillRef>
+      <a:effectRef idx="0">
+        <a:scrgbClr r="0" g="0" b="0"/>
+      </a:effectRef>
+      <a:fontRef idx="minor">
+        <a:schemeClr val="lt1"/>
+      </a:fontRef>
+    </dgm:style>
+  </dgm:styleLbl>
+  <dgm:styleLbl name="fgSibTrans2D1">
+    <dgm:scene3d>
+      <a:camera prst="orthographicFront"/>
+      <a:lightRig rig="threePt" dir="t"/>
+    </dgm:scene3d>
+    <dgm:sp3d/>
+    <dgm:txPr/>
+    <dgm:style>
+      <a:lnRef idx="0">
+        <a:scrgbClr r="0" g="0" b="0"/>
+      </a:lnRef>
+      <a:fillRef idx="1">
+        <a:scrgbClr r="0" g="0" b="0"/>
+      </a:fillRef>
+      <a:effectRef idx="0">
+        <a:scrgbClr r="0" g="0" b="0"/>
+      </a:effectRef>
+      <a:fontRef idx="minor">
+        <a:schemeClr val="lt1"/>
+      </a:fontRef>
+    </dgm:style>
+  </dgm:styleLbl>
+  <dgm:styleLbl name="bgSibTrans2D1">
+    <dgm:scene3d>
+      <a:camera prst="orthographicFront"/>
+      <a:lightRig rig="threePt" dir="t"/>
+    </dgm:scene3d>
+    <dgm:sp3d/>
+    <dgm:txPr/>
+    <dgm:style>
+      <a:lnRef idx="0">
+        <a:scrgbClr r="0" g="0" b="0"/>
+      </a:lnRef>
+      <a:fillRef idx="1">
+        <a:scrgbClr r="0" g="0" b="0"/>
+      </a:fillRef>
+      <a:effectRef idx="0">
+        <a:scrgbClr r="0" g="0" b="0"/>
+      </a:effectRef>
+      <a:fontRef idx="minor">
+        <a:schemeClr val="lt1"/>
+      </a:fontRef>
+    </dgm:style>
+  </dgm:styleLbl>
+  <dgm:styleLbl name="sibTrans1D1">
+    <dgm:scene3d>
+      <a:camera prst="orthographicFront"/>
+      <a:lightRig rig="threePt" dir="t"/>
+    </dgm:scene3d>
+    <dgm:sp3d/>
+    <dgm:txPr/>
+    <dgm:style>
+      <a:lnRef idx="1">
+        <a:scrgbClr r="0" g="0" b="0"/>
+      </a:lnRef>
+      <a:fillRef idx="0">
+        <a:scrgbClr r="0" g="0" b="0"/>
+      </a:fillRef>
+      <a:effectRef idx="0">
+        <a:scrgbClr r="0" g="0" b="0"/>
+      </a:effectRef>
+      <a:fontRef idx="minor"/>
+    </dgm:style>
+  </dgm:styleLbl>
+  <dgm:styleLbl name="callout">
+    <dgm:scene3d>
+      <a:camera prst="orthographicFront"/>
+      <a:lightRig rig="threePt" dir="t"/>
+    </dgm:scene3d>
+    <dgm:sp3d/>
+    <dgm:txPr/>
+    <dgm:style>
+      <a:lnRef idx="2">
+        <a:scrgbClr r="0" g="0" b="0"/>
+      </a:lnRef>
+      <a:fillRef idx="1">
+        <a:scrgbClr r="0" g="0" b="0"/>
+      </a:fillRef>
+      <a:effectRef idx="0">
+        <a:scrgbClr r="0" g="0" b="0"/>
+      </a:effectRef>
+      <a:fontRef idx="minor"/>
+    </dgm:style>
+  </dgm:styleLbl>
+  <dgm:styleLbl name="asst0">
+    <dgm:scene3d>
+      <a:camera prst="orthographicFront"/>
+      <a:lightRig rig="threePt" dir="t"/>
+    </dgm:scene3d>
+    <dgm:sp3d/>
+    <dgm:txPr/>
+    <dgm:style>
+      <a:lnRef idx="2">
+        <a:scrgbClr r="0" g="0" b="0"/>
+      </a:lnRef>
+      <a:fillRef idx="1">
+        <a:scrgbClr r="0" g="0" b="0"/>
+      </a:fillRef>
+      <a:effectRef idx="0">
+        <a:scrgbClr r="0" g="0" b="0"/>
+      </a:effectRef>
+      <a:fontRef idx="minor">
+        <a:schemeClr val="lt1"/>
+      </a:fontRef>
+    </dgm:style>
+  </dgm:styleLbl>
+  <dgm:styleLbl name="asst1">
+    <dgm:scene3d>
+      <a:camera prst="orthographicFront"/>
+      <a:lightRig rig="threePt" dir="t"/>
+    </dgm:scene3d>
+    <dgm:sp3d/>
+    <dgm:txPr/>
+    <dgm:style>
+      <a:lnRef idx="2">
+        <a:scrgbClr r="0" g="0" b="0"/>
+      </a:lnRef>
+      <a:fillRef idx="1">
+        <a:scrgbClr r="0" g="0" b="0"/>
+      </a:fillRef>
+      <a:effectRef idx="0">
+        <a:scrgbClr r="0" g="0" b="0"/>
+      </a:effectRef>
+      <a:fontRef idx="minor">
+        <a:schemeClr val="lt1"/>
+      </a:fontRef>
+    </dgm:style>
+  </dgm:styleLbl>
+  <dgm:styleLbl name="asst2">
+    <dgm:scene3d>
+      <a:camera prst="orthographicFront"/>
+      <a:lightRig rig="threePt" dir="t"/>
+    </dgm:scene3d>
+    <dgm:sp3d/>
+    <dgm:txPr/>
+    <dgm:style>
+      <a:lnRef idx="2">
+        <a:scrgbClr r="0" g="0" b="0"/>
+      </a:lnRef>
+      <a:fillRef idx="1">
+        <a:scrgbClr r="0" g="0" b="0"/>
+      </a:fillRef>
+      <a:effectRef idx="0">
+        <a:scrgbClr r="0" g="0" b="0"/>
+      </a:effectRef>
+      <a:fontRef idx="minor">
+        <a:schemeClr val="lt1"/>
+      </a:fontRef>
+    </dgm:style>
+  </dgm:styleLbl>
+  <dgm:styleLbl name="asst3">
+    <dgm:scene3d>
+      <a:camera prst="orthographicFront"/>
+      <a:lightRig rig="threePt" dir="t"/>
+    </dgm:scene3d>
+    <dgm:sp3d/>
+    <dgm:txPr/>
+    <dgm:style>
+      <a:lnRef idx="2">
+        <a:scrgbClr r="0" g="0" b="0"/>
+      </a:lnRef>
+      <a:fillRef idx="1">
+        <a:scrgbClr r="0" g="0" b="0"/>
+      </a:fillRef>
+      <a:effectRef idx="0">
+        <a:scrgbClr r="0" g="0" b="0"/>
+      </a:effectRef>
+      <a:fontRef idx="minor">
+        <a:schemeClr val="lt1"/>
+      </a:fontRef>
+    </dgm:style>
+  </dgm:styleLbl>
+  <dgm:styleLbl name="asst4">
+    <dgm:scene3d>
+      <a:camera prst="orthographicFront"/>
+      <a:lightRig rig="threePt" dir="t"/>
+    </dgm:scene3d>
+    <dgm:sp3d/>
+    <dgm:txPr/>
+    <dgm:style>
+      <a:lnRef idx="2">
+        <a:scrgbClr r="0" g="0" b="0"/>
+      </a:lnRef>
+      <a:fillRef idx="1">
+        <a:scrgbClr r="0" g="0" b="0"/>
+      </a:fillRef>
+      <a:effectRef idx="0">
+        <a:scrgbClr r="0" g="0" b="0"/>
+      </a:effectRef>
+      <a:fontRef idx="minor">
+        <a:schemeClr val="lt1"/>
+      </a:fontRef>
+    </dgm:style>
+  </dgm:styleLbl>
+  <dgm:styleLbl name="parChTrans2D1">
+    <dgm:scene3d>
+      <a:camera prst="orthographicFront"/>
+      <a:lightRig rig="threePt" dir="t"/>
+    </dgm:scene3d>
+    <dgm:sp3d/>
+    <dgm:txPr/>
+    <dgm:style>
+      <a:lnRef idx="2">
+        <a:scrgbClr r="0" g="0" b="0"/>
+      </a:lnRef>
+      <a:fillRef idx="1">
+        <a:scrgbClr r="0" g="0" b="0"/>
+      </a:fillRef>
+      <a:effectRef idx="0">
+        <a:scrgbClr r="0" g="0" b="0"/>
+      </a:effectRef>
+      <a:fontRef idx="minor">
+        <a:schemeClr val="lt1"/>
+      </a:fontRef>
+    </dgm:style>
+  </dgm:styleLbl>
+  <dgm:styleLbl name="parChTrans2D2">
+    <dgm:scene3d>
+      <a:camera prst="orthographicFront"/>
+      <a:lightRig rig="threePt" dir="t"/>
+    </dgm:scene3d>
+    <dgm:sp3d/>
+    <dgm:txPr/>
+    <dgm:style>
+      <a:lnRef idx="2">
+        <a:scrgbClr r="0" g="0" b="0"/>
+      </a:lnRef>
+      <a:fillRef idx="1">
+        <a:scrgbClr r="0" g="0" b="0"/>
+      </a:fillRef>
+      <a:effectRef idx="0">
+        <a:scrgbClr r="0" g="0" b="0"/>
+      </a:effectRef>
+      <a:fontRef idx="minor">
+        <a:schemeClr val="lt1"/>
+      </a:fontRef>
+    </dgm:style>
+  </dgm:styleLbl>
+  <dgm:styleLbl name="parChTrans2D3">
+    <dgm:scene3d>
+      <a:camera prst="orthographicFront"/>
+      <a:lightRig rig="threePt" dir="t"/>
+    </dgm:scene3d>
+    <dgm:sp3d/>
+    <dgm:txPr/>
+    <dgm:style>
+      <a:lnRef idx="2">
+        <a:scrgbClr r="0" g="0" b="0"/>
+      </a:lnRef>
+      <a:fillRef idx="1">
+        <a:scrgbClr r="0" g="0" b="0"/>
+      </a:fillRef>
+      <a:effectRef idx="0">
+        <a:scrgbClr r="0" g="0" b="0"/>
+      </a:effectRef>
+      <a:fontRef idx="minor">
+        <a:schemeClr val="lt1"/>
+      </a:fontRef>
+    </dgm:style>
+  </dgm:styleLbl>
+  <dgm:styleLbl name="parChTrans2D4">
+    <dgm:scene3d>
+      <a:camera prst="orthographicFront"/>
+      <a:lightRig rig="threePt" dir="t"/>
+    </dgm:scene3d>
+    <dgm:sp3d/>
+    <dgm:txPr/>
+    <dgm:style>
+      <a:lnRef idx="2">
+        <a:scrgbClr r="0" g="0" b="0"/>
+      </a:lnRef>
+      <a:fillRef idx="1">
+        <a:scrgbClr r="0" g="0" b="0"/>
+      </a:fillRef>
+      <a:effectRef idx="0">
+        <a:scrgbClr r="0" g="0" b="0"/>
+      </a:effectRef>
+      <a:fontRef idx="minor">
+        <a:schemeClr val="lt1"/>
+      </a:fontRef>
+    </dgm:style>
+  </dgm:styleLbl>
+  <dgm:styleLbl name="parChTrans1D1">
+    <dgm:scene3d>
+      <a:camera prst="orthographicFront"/>
+      <a:lightRig rig="threePt" dir="t"/>
+    </dgm:scene3d>
+    <dgm:sp3d/>
+    <dgm:txPr/>
+    <dgm:style>
+      <a:lnRef idx="2">
+        <a:scrgbClr r="0" g="0" b="0"/>
+      </a:lnRef>
+      <a:fillRef idx="0">
+        <a:scrgbClr r="0" g="0" b="0"/>
+      </a:fillRef>
+      <a:effectRef idx="0">
+        <a:scrgbClr r="0" g="0" b="0"/>
+      </a:effectRef>
+      <a:fontRef idx="minor"/>
+    </dgm:style>
+  </dgm:styleLbl>
+  <dgm:styleLbl name="parChTrans1D2">
+    <dgm:scene3d>
+      <a:camera prst="orthographicFront"/>
+      <a:lightRig rig="threePt" dir="t"/>
+    </dgm:scene3d>
+    <dgm:sp3d/>
+    <dgm:txPr/>
+    <dgm:style>
+      <a:lnRef idx="2">
+        <a:scrgbClr r="0" g="0" b="0"/>
+      </a:lnRef>
+      <a:fillRef idx="0">
+        <a:scrgbClr r="0" g="0" b="0"/>
+      </a:fillRef>
+      <a:effectRef idx="0">
+        <a:scrgbClr r="0" g="0" b="0"/>
+      </a:effectRef>
+      <a:fontRef idx="minor"/>
+    </dgm:style>
+  </dgm:styleLbl>
+  <dgm:styleLbl name="parChTrans1D3">
+    <dgm:scene3d>
+      <a:camera prst="orthographicFront"/>
+      <a:lightRig rig="threePt" dir="t"/>
+    </dgm:scene3d>
+    <dgm:sp3d/>
+    <dgm:txPr/>
+    <dgm:style>
+      <a:lnRef idx="2">
+        <a:scrgbClr r="0" g="0" b="0"/>
+      </a:lnRef>
+      <a:fillRef idx="0">
+        <a:scrgbClr r="0" g="0" b="0"/>
+      </a:fillRef>
+      <a:effectRef idx="0">
+        <a:scrgbClr r="0" g="0" b="0"/>
+      </a:effectRef>
+      <a:fontRef idx="minor"/>
+    </dgm:style>
+  </dgm:styleLbl>
+  <dgm:styleLbl name="parChTrans1D4">
+    <dgm:scene3d>
+      <a:camera prst="orthographicFront"/>
+      <a:lightRig rig="threePt" dir="t"/>
+    </dgm:scene3d>
+    <dgm:sp3d/>
+    <dgm:txPr/>
+    <dgm:style>
+      <a:lnRef idx="2">
+        <a:scrgbClr r="0" g="0" b="0"/>
+      </a:lnRef>
+      <a:fillRef idx="0">
+        <a:scrgbClr r="0" g="0" b="0"/>
+      </a:fillRef>
+      <a:effectRef idx="0">
+        <a:scrgbClr r="0" g="0" b="0"/>
+      </a:effectRef>
+      <a:fontRef idx="minor"/>
+    </dgm:style>
+  </dgm:styleLbl>
+  <dgm:styleLbl name="fgAcc1">
+    <dgm:scene3d>
+      <a:camera prst="orthographicFront"/>
+      <a:lightRig rig="threePt" dir="t"/>
+    </dgm:scene3d>
+    <dgm:sp3d/>
+    <dgm:txPr/>
+    <dgm:style>
+      <a:lnRef idx="2">
+        <a:scrgbClr r="0" g="0" b="0"/>
+      </a:lnRef>
+      <a:fillRef idx="1">
+        <a:scrgbClr r="0" g="0" b="0"/>
+      </a:fillRef>
+      <a:effectRef idx="0">
+        <a:scrgbClr r="0" g="0" b="0"/>
+      </a:effectRef>
+      <a:fontRef idx="minor"/>
+    </dgm:style>
+  </dgm:styleLbl>
+  <dgm:styleLbl name="conFgAcc1">
+    <dgm:scene3d>
+      <a:camera prst="orthographicFront"/>
+      <a:lightRig rig="threePt" dir="t"/>
+    </dgm:scene3d>
+    <dgm:sp3d/>
+    <dgm:txPr/>
+    <dgm:style>
+      <a:lnRef idx="2">
+        <a:scrgbClr r="0" g="0" b="0"/>
+      </a:lnRef>
+      <a:fillRef idx="1">
+        <a:scrgbClr r="0" g="0" b="0"/>
+      </a:fillRef>
+      <a:effectRef idx="0">
+        <a:scrgbClr r="0" g="0" b="0"/>
+      </a:effectRef>
+      <a:fontRef idx="minor"/>
+    </dgm:style>
+  </dgm:styleLbl>
+  <dgm:styleLbl name="alignAcc1">
+    <dgm:scene3d>
+      <a:camera prst="orthographicFront"/>
+      <a:lightRig rig="threePt" dir="t"/>
+    </dgm:scene3d>
+    <dgm:sp3d/>
+    <dgm:txPr/>
+    <dgm:style>
+      <a:lnRef idx="2">
+        <a:scrgbClr r="0" g="0" b="0"/>
+      </a:lnRef>
+      <a:fillRef idx="1">
+        <a:scrgbClr r="0" g="0" b="0"/>
+      </a:fillRef>
+      <a:effectRef idx="0">
+        <a:scrgbClr r="0" g="0" b="0"/>
+      </a:effectRef>
+      <a:fontRef idx="minor"/>
+    </dgm:style>
+  </dgm:styleLbl>
+  <dgm:styleLbl name="trAlignAcc1">
+    <dgm:scene3d>
+      <a:camera prst="orthographicFront"/>
+      <a:lightRig rig="threePt" dir="t"/>
+    </dgm:scene3d>
+    <dgm:sp3d/>
+    <dgm:txPr/>
+    <dgm:style>
+      <a:lnRef idx="1">
+        <a:scrgbClr r="0" g="0" b="0"/>
+      </a:lnRef>
+      <a:fillRef idx="1">
+        <a:scrgbClr r="0" g="0" b="0"/>
+      </a:fillRef>
+      <a:effectRef idx="0">
+        <a:scrgbClr r="0" g="0" b="0"/>
+      </a:effectRef>
+      <a:fontRef idx="minor"/>
+    </dgm:style>
+  </dgm:styleLbl>
+  <dgm:styleLbl name="bgAcc1">
+    <dgm:scene3d>
+      <a:camera prst="orthographicFront"/>
+      <a:lightRig rig="threePt" dir="t"/>
+    </dgm:scene3d>
+    <dgm:sp3d/>
+    <dgm:txPr/>
+    <dgm:style>
+      <a:lnRef idx="2">
+        <a:scrgbClr r="0" g="0" b="0"/>
+      </a:lnRef>
+      <a:fillRef idx="1">
+        <a:scrgbClr r="0" g="0" b="0"/>
+      </a:fillRef>
+      <a:effectRef idx="0">
+        <a:scrgbClr r="0" g="0" b="0"/>
+      </a:effectRef>
+      <a:fontRef idx="minor"/>
+    </dgm:style>
+  </dgm:styleLbl>
+  <dgm:styleLbl name="solidFgAcc1">
+    <dgm:scene3d>
+      <a:camera prst="orthographicFront"/>
+      <a:lightRig rig="threePt" dir="t"/>
+    </dgm:scene3d>
+    <dgm:sp3d/>
+    <dgm:txPr/>
+    <dgm:style>
+      <a:lnRef idx="2">
+        <a:scrgbClr r="0" g="0" b="0"/>
+      </a:lnRef>
+      <a:fillRef idx="1">
+        <a:scrgbClr r="0" g="0" b="0"/>
+      </a:fillRef>
+      <a:effectRef idx="0">
+        <a:scrgbClr r="0" g="0" b="0"/>
+      </a:effectRef>
+      <a:fontRef idx="minor"/>
+    </dgm:style>
+  </dgm:styleLbl>
+  <dgm:styleLbl name="solidAlignAcc1">
+    <dgm:scene3d>
+      <a:camera prst="orthographicFront"/>
+      <a:lightRig rig="threePt" dir="t"/>
+    </dgm:scene3d>
+    <dgm:sp3d/>
+    <dgm:txPr/>
+    <dgm:style>
+      <a:lnRef idx="2">
+        <a:scrgbClr r="0" g="0" b="0"/>
+      </a:lnRef>
+      <a:fillRef idx="1">
+        <a:scrgbClr r="0" g="0" b="0"/>
+      </a:fillRef>
+      <a:effectRef idx="0">
+        <a:scrgbClr r="0" g="0" b="0"/>
+      </a:effectRef>
+      <a:fontRef idx="minor"/>
+    </dgm:style>
+  </dgm:styleLbl>
+  <dgm:styleLbl name="solidBgAcc1">
+    <dgm:scene3d>
+      <a:camera prst="orthographicFront"/>
+      <a:lightRig rig="threePt" dir="t"/>
+    </dgm:scene3d>
+    <dgm:sp3d/>
+    <dgm:txPr/>
+    <dgm:style>
+      <a:lnRef idx="2">
+        <a:scrgbClr r="0" g="0" b="0"/>
+      </a:lnRef>
+      <a:fillRef idx="1">
+        <a:scrgbClr r="0" g="0" b="0"/>
+      </a:fillRef>
+      <a:effectRef idx="0">
+        <a:scrgbClr r="0" g="0" b="0"/>
+      </a:effectRef>
+      <a:fontRef idx="minor"/>
+    </dgm:style>
+  </dgm:styleLbl>
+  <dgm:styleLbl name="fgAccFollowNode1">
+    <dgm:scene3d>
+      <a:camera prst="orthographicFront"/>
+      <a:lightRig rig="threePt" dir="t"/>
+    </dgm:scene3d>
+    <dgm:sp3d/>
+    <dgm:txPr/>
+    <dgm:style>
+      <a:lnRef idx="2">
+        <a:scrgbClr r="0" g="0" b="0"/>
+      </a:lnRef>
+      <a:fillRef idx="1">
+        <a:scrgbClr r="0" g="0" b="0"/>
+      </a:fillRef>
+      <a:effectRef idx="0">
+        <a:scrgbClr r="0" g="0" b="0"/>
+      </a:effectRef>
+      <a:fontRef idx="minor"/>
+    </dgm:style>
+  </dgm:styleLbl>
+  <dgm:styleLbl name="alignAccFollowNode1">
+    <dgm:scene3d>
+      <a:camera prst="orthographicFront"/>
+      <a:lightRig rig="threePt" dir="t"/>
+    </dgm:scene3d>
+    <dgm:sp3d/>
+    <dgm:txPr/>
+    <dgm:style>
+      <a:lnRef idx="2">
+        <a:scrgbClr r="0" g="0" b="0"/>
+      </a:lnRef>
+      <a:fillRef idx="1">
+        <a:scrgbClr r="0" g="0" b="0"/>
+      </a:fillRef>
+      <a:effectRef idx="0">
+        <a:scrgbClr r="0" g="0" b="0"/>
+      </a:effectRef>
+      <a:fontRef idx="minor"/>
+    </dgm:style>
+  </dgm:styleLbl>
+  <dgm:styleLbl name="bgAccFollowNode1">
+    <dgm:scene3d>
+      <a:camera prst="orthographicFront"/>
+      <a:lightRig rig="threePt" dir="t"/>
+    </dgm:scene3d>
+    <dgm:sp3d/>
+    <dgm:txPr/>
+    <dgm:style>
+      <a:lnRef idx="2">
+        <a:scrgbClr r="0" g="0" b="0"/>
+      </a:lnRef>
+      <a:fillRef idx="1">
+        <a:scrgbClr r="0" g="0" b="0"/>
+      </a:fillRef>
+      <a:effectRef idx="0">
+        <a:scrgbClr r="0" g="0" b="0"/>
+      </a:effectRef>
+      <a:fontRef idx="minor"/>
+    </dgm:style>
+  </dgm:styleLbl>
+  <dgm:styleLbl name="fgAcc0">
+    <dgm:scene3d>
+      <a:camera prst="orthographicFront"/>
+      <a:lightRig rig="threePt" dir="t"/>
+    </dgm:scene3d>
+    <dgm:sp3d/>
+    <dgm:txPr/>
+    <dgm:style>
+      <a:lnRef idx="2">
+        <a:scrgbClr r="0" g="0" b="0"/>
+      </a:lnRef>
+      <a:fillRef idx="1">
+        <a:scrgbClr r="0" g="0" b="0"/>
+      </a:fillRef>
+      <a:effectRef idx="0">
+        <a:scrgbClr r="0" g="0" b="0"/>
+      </a:effectRef>
+      <a:fontRef idx="minor"/>
+    </dgm:style>
+  </dgm:styleLbl>
+  <dgm:styleLbl name="fgAcc2">
+    <dgm:scene3d>
+      <a:camera prst="orthographicFront"/>
+      <a:lightRig rig="threePt" dir="t"/>
+    </dgm:scene3d>
+    <dgm:sp3d/>
+    <dgm:txPr/>
+    <dgm:style>
+      <a:lnRef idx="2">
+        <a:scrgbClr r="0" g="0" b="0"/>
+      </a:lnRef>
+      <a:fillRef idx="1">
+        <a:scrgbClr r="0" g="0" b="0"/>
+      </a:fillRef>
+      <a:effectRef idx="0">
+        <a:scrgbClr r="0" g="0" b="0"/>
+      </a:effectRef>
+      <a:fontRef idx="minor"/>
+    </dgm:style>
+  </dgm:styleLbl>
+  <dgm:styleLbl name="fgAcc3">
+    <dgm:scene3d>
+      <a:camera prst="orthographicFront"/>
+      <a:lightRig rig="threePt" dir="t"/>
+    </dgm:scene3d>
+    <dgm:sp3d/>
+    <dgm:txPr/>
+    <dgm:style>
+      <a:lnRef idx="2">
+        <a:scrgbClr r="0" g="0" b="0"/>
+      </a:lnRef>
+      <a:fillRef idx="1">
+        <a:scrgbClr r="0" g="0" b="0"/>
+      </a:fillRef>
+      <a:effectRef idx="0">
+        <a:scrgbClr r="0" g="0" b="0"/>
+      </a:effectRef>
+      <a:fontRef idx="minor"/>
+    </dgm:style>
+  </dgm:styleLbl>
+  <dgm:styleLbl name="fgAcc4">
+    <dgm:scene3d>
+      <a:camera prst="orthographicFront"/>
+      <a:lightRig rig="threePt" dir="t"/>
+    </dgm:scene3d>
+    <dgm:sp3d/>
+    <dgm:txPr/>
+    <dgm:style>
+      <a:lnRef idx="2">
+        <a:scrgbClr r="0" g="0" b="0"/>
+      </a:lnRef>
+      <a:fillRef idx="1">
+        <a:scrgbClr r="0" g="0" b="0"/>
+      </a:fillRef>
+      <a:effectRef idx="0">
+        <a:scrgbClr r="0" g="0" b="0"/>
+      </a:effectRef>
+      <a:fontRef idx="minor"/>
+    </dgm:style>
+  </dgm:styleLbl>
+  <dgm:styleLbl name="bgShp">
+    <dgm:scene3d>
+      <a:camera prst="orthographicFront"/>
+      <a:lightRig rig="threePt" dir="t"/>
+    </dgm:scene3d>
+    <dgm:sp3d/>
+    <dgm:txPr/>
+    <dgm:style>
+      <a:lnRef idx="0">
+        <a:scrgbClr r="0" g="0" b="0"/>
+      </a:lnRef>
+      <a:fillRef idx="1">
+        <a:scrgbClr r="0" g="0" b="0"/>
+      </a:fillRef>
+      <a:effectRef idx="0">
+        <a:scrgbClr r="0" g="0" b="0"/>
+      </a:effectRef>
+      <a:fontRef idx="minor"/>
+    </dgm:style>
+  </dgm:styleLbl>
+  <dgm:styleLbl name="dkBgShp">
+    <dgm:scene3d>
+      <a:camera prst="orthographicFront"/>
+      <a:lightRig rig="threePt" dir="t"/>
+    </dgm:scene3d>
+    <dgm:sp3d/>
+    <dgm:txPr/>
+    <dgm:style>
+      <a:lnRef idx="0">
+        <a:scrgbClr r="0" g="0" b="0"/>
+      </a:lnRef>
+      <a:fillRef idx="1">
+        <a:scrgbClr r="0" g="0" b="0"/>
+      </a:fillRef>
+      <a:effectRef idx="0">
+        <a:scrgbClr r="0" g="0" b="0"/>
+      </a:effectRef>
+      <a:fontRef idx="minor"/>
+    </dgm:style>
+  </dgm:styleLbl>
+  <dgm:styleLbl name="trBgShp">
+    <dgm:scene3d>
+      <a:camera prst="orthographicFront"/>
+      <a:lightRig rig="threePt" dir="t"/>
+    </dgm:scene3d>
+    <dgm:sp3d/>
+    <dgm:txPr/>
+    <dgm:style>
+      <a:lnRef idx="0">
+        <a:scrgbClr r="0" g="0" b="0"/>
+      </a:lnRef>
+      <a:fillRef idx="1">
+        <a:scrgbClr r="0" g="0" b="0"/>
+      </a:fillRef>
+      <a:effectRef idx="0">
+        <a:scrgbClr r="0" g="0" b="0"/>
+      </a:effectRef>
+      <a:fontRef idx="minor"/>
+    </dgm:style>
+  </dgm:styleLbl>
+  <dgm:styleLbl name="fgShp">
+    <dgm:scene3d>
+      <a:camera prst="orthographicFront"/>
+      <a:lightRig rig="threePt" dir="t"/>
+    </dgm:scene3d>
+    <dgm:sp3d/>
+    <dgm:txPr/>
+    <dgm:style>
+      <a:lnRef idx="2">
+        <a:scrgbClr r="0" g="0" b="0"/>
+      </a:lnRef>
+      <a:fillRef idx="1">
+        <a:scrgbClr r="0" g="0" b="0"/>
+      </a:fillRef>
+      <a:effectRef idx="0">
+        <a:scrgbClr r="0" g="0" b="0"/>
+      </a:effectRef>
+      <a:fontRef idx="minor"/>
+    </dgm:style>
+  </dgm:styleLbl>
+  <dgm:styleLbl name="revTx">
+    <dgm:scene3d>
+      <a:camera prst="orthographicFront"/>
+      <a:lightRig rig="threePt" dir="t"/>
+    </dgm:scene3d>
+    <dgm:sp3d/>
+    <dgm:txPr/>
+    <dgm:style>
+      <a:lnRef idx="0">
+        <a:scrgbClr r="0" g="0" b="0"/>
+      </a:lnRef>
+      <a:fillRef idx="0">
+        <a:scrgbClr r="0" g="0" b="0"/>
+      </a:fillRef>
+      <a:effectRef idx="0">
+        <a:scrgbClr r="0" g="0" b="0"/>
+      </a:effectRef>
+      <a:fontRef idx="minor"/>
+    </dgm:style>
+  </dgm:styleLbl>
+</dgm:styleDef>
+</file>
+
+<file path=ppt/diagrams/quickStyle2.xml><?xml version="1.0" encoding="utf-8"?>
 <dgm:styleDef xmlns:dgm="http://schemas.openxmlformats.org/drawingml/2006/diagram" xmlns:a="http://schemas.openxmlformats.org/drawingml/2006/main" uniqueId="urn:microsoft.com/office/officeart/2005/8/quickstyle/simple2">
   <dgm:title val=""/>
   <dgm:desc val=""/>
@@ -7808,10 +10628,127 @@
     <p:bg>
       <p:bgPr>
         <a:solidFill>
-          <a:schemeClr val="bg1">
-            <a:tint val="95000"/>
-            <a:satMod val="170000"/>
-          </a:schemeClr>
+          <a:srgbClr val="292E3F"/>
+        </a:solidFill>
+        <a:effectLst/>
+      </p:bgPr>
+    </p:bg>
+    <p:spTree>
+      <p:nvGrpSpPr>
+        <p:cNvPr id="1" name=""/>
+        <p:cNvGrpSpPr/>
+        <p:nvPr/>
+      </p:nvGrpSpPr>
+      <p:grpSpPr>
+        <a:xfrm>
+          <a:off x="0" y="0"/>
+          <a:ext cx="0" cy="0"/>
+          <a:chOff x="0" y="0"/>
+          <a:chExt cx="0" cy="0"/>
+        </a:xfrm>
+      </p:grpSpPr>
+      <p:graphicFrame>
+        <p:nvGraphicFramePr>
+          <p:cNvPr id="5" name="Diagram 4">
+            <a:extLst>
+              <a:ext uri="{FF2B5EF4-FFF2-40B4-BE49-F238E27FC236}">
+                <a16:creationId xmlns:a16="http://schemas.microsoft.com/office/drawing/2014/main" id="{3F4A9B79-3884-BC4D-AB4B-B67B593720CF}"/>
+              </a:ext>
+            </a:extLst>
+          </p:cNvPr>
+          <p:cNvGraphicFramePr/>
+          <p:nvPr>
+            <p:extLst>
+              <p:ext uri="{D42A27DB-BD31-4B8C-83A1-F6EECF244321}">
+                <p14:modId xmlns:p14="http://schemas.microsoft.com/office/powerpoint/2010/main" val="3329793387"/>
+              </p:ext>
+            </p:extLst>
+          </p:nvPr>
+        </p:nvGraphicFramePr>
+        <p:xfrm>
+          <a:off x="2032000" y="719666"/>
+          <a:ext cx="8128000" cy="5418667"/>
+        </p:xfrm>
+        <a:graphic>
+          <a:graphicData uri="http://schemas.openxmlformats.org/drawingml/2006/diagram">
+            <dgm:relIds xmlns:dgm="http://schemas.openxmlformats.org/drawingml/2006/diagram" xmlns:r="http://schemas.openxmlformats.org/officeDocument/2006/relationships" r:dm="rId2" r:lo="rId3" r:qs="rId4" r:cs="rId5"/>
+          </a:graphicData>
+        </a:graphic>
+      </p:graphicFrame>
+      <p:sp>
+        <p:nvSpPr>
+          <p:cNvPr id="7" name="Oval 6">
+            <a:extLst>
+              <a:ext uri="{FF2B5EF4-FFF2-40B4-BE49-F238E27FC236}">
+                <a16:creationId xmlns:a16="http://schemas.microsoft.com/office/drawing/2014/main" id="{C88B35DF-A803-9C45-83A8-11ED12DB7E08}"/>
+              </a:ext>
+            </a:extLst>
+          </p:cNvPr>
+          <p:cNvSpPr/>
+          <p:nvPr/>
+        </p:nvSpPr>
+        <p:spPr>
+          <a:xfrm>
+            <a:off x="5029200" y="2974848"/>
+            <a:ext cx="2133600" cy="2133600"/>
+          </a:xfrm>
+          <a:prstGeom prst="ellipse">
+            <a:avLst/>
+          </a:prstGeom>
+          <a:ln/>
+        </p:spPr>
+        <p:style>
+          <a:lnRef idx="3">
+            <a:schemeClr val="lt1"/>
+          </a:lnRef>
+          <a:fillRef idx="1">
+            <a:schemeClr val="accent5"/>
+          </a:fillRef>
+          <a:effectRef idx="1">
+            <a:schemeClr val="accent5"/>
+          </a:effectRef>
+          <a:fontRef idx="minor">
+            <a:schemeClr val="lt1"/>
+          </a:fontRef>
+        </p:style>
+        <p:txBody>
+          <a:bodyPr spcFirstLastPara="0" vert="horz" wrap="square" lIns="140970" tIns="140970" rIns="140970" bIns="140970" numCol="1" spcCol="1270" anchor="ctr" anchorCtr="0">
+            <a:noAutofit/>
+          </a:bodyPr>
+          <a:lstStyle/>
+          <a:p>
+            <a:pPr algn="ctr"/>
+            <a:r>
+              <a:rPr lang="en-US" sz="3200" dirty="0">
+                <a:solidFill>
+                  <a:schemeClr val="bg1"/>
+                </a:solidFill>
+              </a:rPr>
+              <a:t>Theory</a:t>
+            </a:r>
+          </a:p>
+        </p:txBody>
+      </p:sp>
+    </p:spTree>
+    <p:extLst>
+      <p:ext uri="{BB962C8B-B14F-4D97-AF65-F5344CB8AC3E}">
+        <p14:creationId xmlns:p14="http://schemas.microsoft.com/office/powerpoint/2010/main" val="1452679995"/>
+      </p:ext>
+    </p:extLst>
+  </p:cSld>
+  <p:clrMapOvr>
+    <a:masterClrMapping/>
+  </p:clrMapOvr>
+</p:sld>
+</file>
+
+<file path=ppt/slides/slide2.xml><?xml version="1.0" encoding="utf-8"?>
+<p:sld xmlns:a="http://schemas.openxmlformats.org/drawingml/2006/main" xmlns:r="http://schemas.openxmlformats.org/officeDocument/2006/relationships" xmlns:p="http://schemas.openxmlformats.org/presentationml/2006/main">
+  <p:cSld>
+    <p:bg>
+      <p:bgPr>
+        <a:solidFill>
+          <a:srgbClr val="292E3F"/>
         </a:solidFill>
         <a:effectLst/>
       </p:bgPr>
